--- a/Intro_To_Selenium.pptx
+++ b/Intro_To_Selenium.pptx
@@ -5,10 +5,10 @@
     <p:sldMasterId id="2147483660" r:id="rId1"/>
   </p:sldMasterIdLst>
   <p:notesMasterIdLst>
-    <p:notesMasterId r:id="rId22"/>
+    <p:notesMasterId r:id="rId32"/>
   </p:notesMasterIdLst>
   <p:handoutMasterIdLst>
-    <p:handoutMasterId r:id="rId23"/>
+    <p:handoutMasterId r:id="rId33"/>
   </p:handoutMasterIdLst>
   <p:sldIdLst>
     <p:sldId id="256" r:id="rId2"/>
@@ -28,9 +28,19 @@
     <p:sldId id="389" r:id="rId16"/>
     <p:sldId id="390" r:id="rId17"/>
     <p:sldId id="391" r:id="rId18"/>
-    <p:sldId id="393" r:id="rId19"/>
-    <p:sldId id="392" r:id="rId20"/>
-    <p:sldId id="320" r:id="rId21"/>
+    <p:sldId id="394" r:id="rId19"/>
+    <p:sldId id="395" r:id="rId20"/>
+    <p:sldId id="396" r:id="rId21"/>
+    <p:sldId id="397" r:id="rId22"/>
+    <p:sldId id="398" r:id="rId23"/>
+    <p:sldId id="399" r:id="rId24"/>
+    <p:sldId id="400" r:id="rId25"/>
+    <p:sldId id="401" r:id="rId26"/>
+    <p:sldId id="402" r:id="rId27"/>
+    <p:sldId id="403" r:id="rId28"/>
+    <p:sldId id="393" r:id="rId29"/>
+    <p:sldId id="392" r:id="rId30"/>
+    <p:sldId id="320" r:id="rId31"/>
   </p:sldIdLst>
   <p:sldSz cx="9144000" cy="6858000" type="screen4x3"/>
   <p:notesSz cx="9296400" cy="6881813"/>
@@ -214,7 +224,7 @@
           <a:p>
             <a:fld id="{834FCB5D-5059-4E82-ADA0-F0D440627FA3}" type="datetimeFigureOut">
               <a:rPr lang="en-US" smtClean="0"/>
-              <a:t>4/18/2019</a:t>
+              <a:t>4/19/2019</a:t>
             </a:fld>
             <a:endParaRPr lang="en-US"/>
           </a:p>
@@ -380,7 +390,7 @@
           <a:p>
             <a:fld id="{3F79FEE6-0D51-46F1-A67C-BBD242D0688C}" type="datetimeFigureOut">
               <a:rPr lang="en-US" smtClean="0"/>
-              <a:t>4/18/2019</a:t>
+              <a:t>4/19/2019</a:t>
             </a:fld>
             <a:endParaRPr lang="en-US"/>
           </a:p>
@@ -739,6 +749,852 @@
 </p:notes>
 </file>
 
+<file path=ppt/notesSlides/notesSlide10.xml><?xml version="1.0" encoding="utf-8"?>
+<p:notes xmlns:a="http://schemas.openxmlformats.org/drawingml/2006/main" xmlns:r="http://schemas.openxmlformats.org/officeDocument/2006/relationships" xmlns:p="http://schemas.openxmlformats.org/presentationml/2006/main">
+  <p:cSld>
+    <p:spTree>
+      <p:nvGrpSpPr>
+        <p:cNvPr id="1" name=""/>
+        <p:cNvGrpSpPr/>
+        <p:nvPr/>
+      </p:nvGrpSpPr>
+      <p:grpSpPr>
+        <a:xfrm>
+          <a:off x="0" y="0"/>
+          <a:ext cx="0" cy="0"/>
+          <a:chOff x="0" y="0"/>
+          <a:chExt cx="0" cy="0"/>
+        </a:xfrm>
+      </p:grpSpPr>
+      <p:sp>
+        <p:nvSpPr>
+          <p:cNvPr id="2" name="Slide Image Placeholder 1"/>
+          <p:cNvSpPr>
+            <a:spLocks noGrp="1" noRot="1" noChangeAspect="1"/>
+          </p:cNvSpPr>
+          <p:nvPr>
+            <p:ph type="sldImg"/>
+          </p:nvPr>
+        </p:nvSpPr>
+        <p:spPr/>
+      </p:sp>
+      <p:sp>
+        <p:nvSpPr>
+          <p:cNvPr id="3" name="Notes Placeholder 2"/>
+          <p:cNvSpPr>
+            <a:spLocks noGrp="1"/>
+          </p:cNvSpPr>
+          <p:nvPr>
+            <p:ph type="body" idx="1"/>
+          </p:nvPr>
+        </p:nvSpPr>
+        <p:spPr/>
+        <p:txBody>
+          <a:bodyPr/>
+          <a:lstStyle/>
+          <a:p>
+            <a:r>
+              <a:rPr lang="en-US" dirty="0" smtClean="0">
+                <a:hlinkClick r:id="rId3"/>
+              </a:rPr>
+              <a:t>https://github.com/bilalshahzad139/SeleniumUIAutomation</a:t>
+            </a:r>
+            <a:r>
+              <a:rPr lang="en-US" dirty="0" smtClean="0"/>
+              <a:t>/Unit Testing</a:t>
+            </a:r>
+            <a:r>
+              <a:rPr lang="en-US" dirty="0" smtClean="0"/>
+              <a:t> </a:t>
+            </a:r>
+            <a:endParaRPr lang="en-US" dirty="0"/>
+          </a:p>
+        </p:txBody>
+      </p:sp>
+      <p:sp>
+        <p:nvSpPr>
+          <p:cNvPr id="4" name="Slide Number Placeholder 3"/>
+          <p:cNvSpPr>
+            <a:spLocks noGrp="1"/>
+          </p:cNvSpPr>
+          <p:nvPr>
+            <p:ph type="sldNum" sz="quarter" idx="10"/>
+          </p:nvPr>
+        </p:nvSpPr>
+        <p:spPr/>
+        <p:txBody>
+          <a:bodyPr/>
+          <a:lstStyle/>
+          <a:p>
+            <a:fld id="{2229FAFC-F8C0-4300-85D0-0841763FFE0D}" type="slidenum">
+              <a:rPr lang="en-US" smtClean="0"/>
+              <a:t>19</a:t>
+            </a:fld>
+            <a:endParaRPr lang="en-US"/>
+          </a:p>
+        </p:txBody>
+      </p:sp>
+    </p:spTree>
+    <p:extLst>
+      <p:ext uri="{BB962C8B-B14F-4D97-AF65-F5344CB8AC3E}">
+        <p14:creationId xmlns:p14="http://schemas.microsoft.com/office/powerpoint/2010/main" val="43918328"/>
+      </p:ext>
+    </p:extLst>
+  </p:cSld>
+  <p:clrMapOvr>
+    <a:masterClrMapping/>
+  </p:clrMapOvr>
+</p:notes>
+</file>
+
+<file path=ppt/notesSlides/notesSlide11.xml><?xml version="1.0" encoding="utf-8"?>
+<p:notes xmlns:a="http://schemas.openxmlformats.org/drawingml/2006/main" xmlns:r="http://schemas.openxmlformats.org/officeDocument/2006/relationships" xmlns:p="http://schemas.openxmlformats.org/presentationml/2006/main">
+  <p:cSld>
+    <p:spTree>
+      <p:nvGrpSpPr>
+        <p:cNvPr id="1" name=""/>
+        <p:cNvGrpSpPr/>
+        <p:nvPr/>
+      </p:nvGrpSpPr>
+      <p:grpSpPr>
+        <a:xfrm>
+          <a:off x="0" y="0"/>
+          <a:ext cx="0" cy="0"/>
+          <a:chOff x="0" y="0"/>
+          <a:chExt cx="0" cy="0"/>
+        </a:xfrm>
+      </p:grpSpPr>
+      <p:sp>
+        <p:nvSpPr>
+          <p:cNvPr id="2" name="Slide Image Placeholder 1"/>
+          <p:cNvSpPr>
+            <a:spLocks noGrp="1" noRot="1" noChangeAspect="1"/>
+          </p:cNvSpPr>
+          <p:nvPr>
+            <p:ph type="sldImg"/>
+          </p:nvPr>
+        </p:nvSpPr>
+        <p:spPr/>
+      </p:sp>
+      <p:sp>
+        <p:nvSpPr>
+          <p:cNvPr id="3" name="Notes Placeholder 2"/>
+          <p:cNvSpPr>
+            <a:spLocks noGrp="1"/>
+          </p:cNvSpPr>
+          <p:nvPr>
+            <p:ph type="body" idx="1"/>
+          </p:nvPr>
+        </p:nvSpPr>
+        <p:spPr/>
+        <p:txBody>
+          <a:bodyPr/>
+          <a:lstStyle/>
+          <a:p>
+            <a:r>
+              <a:rPr lang="en-US" dirty="0" smtClean="0">
+                <a:hlinkClick r:id="rId3"/>
+              </a:rPr>
+              <a:t>https://github.com/bilalshahzad139/SeleniumUIAutomation</a:t>
+            </a:r>
+            <a:r>
+              <a:rPr lang="en-US" dirty="0" smtClean="0"/>
+              <a:t>/Unit Testing</a:t>
+            </a:r>
+            <a:r>
+              <a:rPr lang="en-US" dirty="0" smtClean="0"/>
+              <a:t> </a:t>
+            </a:r>
+            <a:endParaRPr lang="en-US" dirty="0"/>
+          </a:p>
+        </p:txBody>
+      </p:sp>
+      <p:sp>
+        <p:nvSpPr>
+          <p:cNvPr id="4" name="Slide Number Placeholder 3"/>
+          <p:cNvSpPr>
+            <a:spLocks noGrp="1"/>
+          </p:cNvSpPr>
+          <p:nvPr>
+            <p:ph type="sldNum" sz="quarter" idx="10"/>
+          </p:nvPr>
+        </p:nvSpPr>
+        <p:spPr/>
+        <p:txBody>
+          <a:bodyPr/>
+          <a:lstStyle/>
+          <a:p>
+            <a:fld id="{2229FAFC-F8C0-4300-85D0-0841763FFE0D}" type="slidenum">
+              <a:rPr lang="en-US" smtClean="0"/>
+              <a:t>20</a:t>
+            </a:fld>
+            <a:endParaRPr lang="en-US"/>
+          </a:p>
+        </p:txBody>
+      </p:sp>
+    </p:spTree>
+    <p:extLst>
+      <p:ext uri="{BB962C8B-B14F-4D97-AF65-F5344CB8AC3E}">
+        <p14:creationId xmlns:p14="http://schemas.microsoft.com/office/powerpoint/2010/main" val="43918328"/>
+      </p:ext>
+    </p:extLst>
+  </p:cSld>
+  <p:clrMapOvr>
+    <a:masterClrMapping/>
+  </p:clrMapOvr>
+</p:notes>
+</file>
+
+<file path=ppt/notesSlides/notesSlide12.xml><?xml version="1.0" encoding="utf-8"?>
+<p:notes xmlns:a="http://schemas.openxmlformats.org/drawingml/2006/main" xmlns:r="http://schemas.openxmlformats.org/officeDocument/2006/relationships" xmlns:p="http://schemas.openxmlformats.org/presentationml/2006/main">
+  <p:cSld>
+    <p:spTree>
+      <p:nvGrpSpPr>
+        <p:cNvPr id="1" name=""/>
+        <p:cNvGrpSpPr/>
+        <p:nvPr/>
+      </p:nvGrpSpPr>
+      <p:grpSpPr>
+        <a:xfrm>
+          <a:off x="0" y="0"/>
+          <a:ext cx="0" cy="0"/>
+          <a:chOff x="0" y="0"/>
+          <a:chExt cx="0" cy="0"/>
+        </a:xfrm>
+      </p:grpSpPr>
+      <p:sp>
+        <p:nvSpPr>
+          <p:cNvPr id="2" name="Slide Image Placeholder 1"/>
+          <p:cNvSpPr>
+            <a:spLocks noGrp="1" noRot="1" noChangeAspect="1"/>
+          </p:cNvSpPr>
+          <p:nvPr>
+            <p:ph type="sldImg"/>
+          </p:nvPr>
+        </p:nvSpPr>
+        <p:spPr/>
+      </p:sp>
+      <p:sp>
+        <p:nvSpPr>
+          <p:cNvPr id="3" name="Notes Placeholder 2"/>
+          <p:cNvSpPr>
+            <a:spLocks noGrp="1"/>
+          </p:cNvSpPr>
+          <p:nvPr>
+            <p:ph type="body" idx="1"/>
+          </p:nvPr>
+        </p:nvSpPr>
+        <p:spPr/>
+        <p:txBody>
+          <a:bodyPr/>
+          <a:lstStyle/>
+          <a:p>
+            <a:r>
+              <a:rPr lang="en-US" dirty="0" smtClean="0">
+                <a:hlinkClick r:id="rId3"/>
+              </a:rPr>
+              <a:t>https://github.com/bilalshahzad139/SeleniumUIAutomation</a:t>
+            </a:r>
+            <a:r>
+              <a:rPr lang="en-US" dirty="0" smtClean="0"/>
+              <a:t>/Unit Testing</a:t>
+            </a:r>
+            <a:r>
+              <a:rPr lang="en-US" dirty="0" smtClean="0"/>
+              <a:t> </a:t>
+            </a:r>
+            <a:endParaRPr lang="en-US" dirty="0"/>
+          </a:p>
+        </p:txBody>
+      </p:sp>
+      <p:sp>
+        <p:nvSpPr>
+          <p:cNvPr id="4" name="Slide Number Placeholder 3"/>
+          <p:cNvSpPr>
+            <a:spLocks noGrp="1"/>
+          </p:cNvSpPr>
+          <p:nvPr>
+            <p:ph type="sldNum" sz="quarter" idx="10"/>
+          </p:nvPr>
+        </p:nvSpPr>
+        <p:spPr/>
+        <p:txBody>
+          <a:bodyPr/>
+          <a:lstStyle/>
+          <a:p>
+            <a:fld id="{2229FAFC-F8C0-4300-85D0-0841763FFE0D}" type="slidenum">
+              <a:rPr lang="en-US" smtClean="0"/>
+              <a:t>21</a:t>
+            </a:fld>
+            <a:endParaRPr lang="en-US"/>
+          </a:p>
+        </p:txBody>
+      </p:sp>
+    </p:spTree>
+    <p:extLst>
+      <p:ext uri="{BB962C8B-B14F-4D97-AF65-F5344CB8AC3E}">
+        <p14:creationId xmlns:p14="http://schemas.microsoft.com/office/powerpoint/2010/main" val="43918328"/>
+      </p:ext>
+    </p:extLst>
+  </p:cSld>
+  <p:clrMapOvr>
+    <a:masterClrMapping/>
+  </p:clrMapOvr>
+</p:notes>
+</file>
+
+<file path=ppt/notesSlides/notesSlide13.xml><?xml version="1.0" encoding="utf-8"?>
+<p:notes xmlns:a="http://schemas.openxmlformats.org/drawingml/2006/main" xmlns:r="http://schemas.openxmlformats.org/officeDocument/2006/relationships" xmlns:p="http://schemas.openxmlformats.org/presentationml/2006/main">
+  <p:cSld>
+    <p:spTree>
+      <p:nvGrpSpPr>
+        <p:cNvPr id="1" name=""/>
+        <p:cNvGrpSpPr/>
+        <p:nvPr/>
+      </p:nvGrpSpPr>
+      <p:grpSpPr>
+        <a:xfrm>
+          <a:off x="0" y="0"/>
+          <a:ext cx="0" cy="0"/>
+          <a:chOff x="0" y="0"/>
+          <a:chExt cx="0" cy="0"/>
+        </a:xfrm>
+      </p:grpSpPr>
+      <p:sp>
+        <p:nvSpPr>
+          <p:cNvPr id="2" name="Slide Image Placeholder 1"/>
+          <p:cNvSpPr>
+            <a:spLocks noGrp="1" noRot="1" noChangeAspect="1"/>
+          </p:cNvSpPr>
+          <p:nvPr>
+            <p:ph type="sldImg"/>
+          </p:nvPr>
+        </p:nvSpPr>
+        <p:spPr/>
+      </p:sp>
+      <p:sp>
+        <p:nvSpPr>
+          <p:cNvPr id="3" name="Notes Placeholder 2"/>
+          <p:cNvSpPr>
+            <a:spLocks noGrp="1"/>
+          </p:cNvSpPr>
+          <p:nvPr>
+            <p:ph type="body" idx="1"/>
+          </p:nvPr>
+        </p:nvSpPr>
+        <p:spPr/>
+        <p:txBody>
+          <a:bodyPr/>
+          <a:lstStyle/>
+          <a:p>
+            <a:r>
+              <a:rPr lang="en-US" dirty="0" smtClean="0">
+                <a:hlinkClick r:id="rId3"/>
+              </a:rPr>
+              <a:t>https://github.com/bilalshahzad139/SeleniumUIAutomation</a:t>
+            </a:r>
+            <a:r>
+              <a:rPr lang="en-US" dirty="0" smtClean="0"/>
+              <a:t>/Unit Testing</a:t>
+            </a:r>
+            <a:r>
+              <a:rPr lang="en-US" dirty="0" smtClean="0"/>
+              <a:t> </a:t>
+            </a:r>
+            <a:endParaRPr lang="en-US" dirty="0"/>
+          </a:p>
+        </p:txBody>
+      </p:sp>
+      <p:sp>
+        <p:nvSpPr>
+          <p:cNvPr id="4" name="Slide Number Placeholder 3"/>
+          <p:cNvSpPr>
+            <a:spLocks noGrp="1"/>
+          </p:cNvSpPr>
+          <p:nvPr>
+            <p:ph type="sldNum" sz="quarter" idx="10"/>
+          </p:nvPr>
+        </p:nvSpPr>
+        <p:spPr/>
+        <p:txBody>
+          <a:bodyPr/>
+          <a:lstStyle/>
+          <a:p>
+            <a:fld id="{2229FAFC-F8C0-4300-85D0-0841763FFE0D}" type="slidenum">
+              <a:rPr lang="en-US" smtClean="0"/>
+              <a:t>22</a:t>
+            </a:fld>
+            <a:endParaRPr lang="en-US"/>
+          </a:p>
+        </p:txBody>
+      </p:sp>
+    </p:spTree>
+    <p:extLst>
+      <p:ext uri="{BB962C8B-B14F-4D97-AF65-F5344CB8AC3E}">
+        <p14:creationId xmlns:p14="http://schemas.microsoft.com/office/powerpoint/2010/main" val="43918328"/>
+      </p:ext>
+    </p:extLst>
+  </p:cSld>
+  <p:clrMapOvr>
+    <a:masterClrMapping/>
+  </p:clrMapOvr>
+</p:notes>
+</file>
+
+<file path=ppt/notesSlides/notesSlide14.xml><?xml version="1.0" encoding="utf-8"?>
+<p:notes xmlns:a="http://schemas.openxmlformats.org/drawingml/2006/main" xmlns:r="http://schemas.openxmlformats.org/officeDocument/2006/relationships" xmlns:p="http://schemas.openxmlformats.org/presentationml/2006/main">
+  <p:cSld>
+    <p:spTree>
+      <p:nvGrpSpPr>
+        <p:cNvPr id="1" name=""/>
+        <p:cNvGrpSpPr/>
+        <p:nvPr/>
+      </p:nvGrpSpPr>
+      <p:grpSpPr>
+        <a:xfrm>
+          <a:off x="0" y="0"/>
+          <a:ext cx="0" cy="0"/>
+          <a:chOff x="0" y="0"/>
+          <a:chExt cx="0" cy="0"/>
+        </a:xfrm>
+      </p:grpSpPr>
+      <p:sp>
+        <p:nvSpPr>
+          <p:cNvPr id="2" name="Slide Image Placeholder 1"/>
+          <p:cNvSpPr>
+            <a:spLocks noGrp="1" noRot="1" noChangeAspect="1"/>
+          </p:cNvSpPr>
+          <p:nvPr>
+            <p:ph type="sldImg"/>
+          </p:nvPr>
+        </p:nvSpPr>
+        <p:spPr/>
+      </p:sp>
+      <p:sp>
+        <p:nvSpPr>
+          <p:cNvPr id="3" name="Notes Placeholder 2"/>
+          <p:cNvSpPr>
+            <a:spLocks noGrp="1"/>
+          </p:cNvSpPr>
+          <p:nvPr>
+            <p:ph type="body" idx="1"/>
+          </p:nvPr>
+        </p:nvSpPr>
+        <p:spPr/>
+        <p:txBody>
+          <a:bodyPr/>
+          <a:lstStyle/>
+          <a:p>
+            <a:r>
+              <a:rPr lang="en-US" dirty="0" smtClean="0">
+                <a:hlinkClick r:id="rId3"/>
+              </a:rPr>
+              <a:t>https://github.com/bilalshahzad139/SeleniumUIAutomation</a:t>
+            </a:r>
+            <a:r>
+              <a:rPr lang="en-US" dirty="0" smtClean="0"/>
+              <a:t>/Unit Testing</a:t>
+            </a:r>
+            <a:r>
+              <a:rPr lang="en-US" dirty="0" smtClean="0"/>
+              <a:t> </a:t>
+            </a:r>
+            <a:endParaRPr lang="en-US" dirty="0"/>
+          </a:p>
+        </p:txBody>
+      </p:sp>
+      <p:sp>
+        <p:nvSpPr>
+          <p:cNvPr id="4" name="Slide Number Placeholder 3"/>
+          <p:cNvSpPr>
+            <a:spLocks noGrp="1"/>
+          </p:cNvSpPr>
+          <p:nvPr>
+            <p:ph type="sldNum" sz="quarter" idx="10"/>
+          </p:nvPr>
+        </p:nvSpPr>
+        <p:spPr/>
+        <p:txBody>
+          <a:bodyPr/>
+          <a:lstStyle/>
+          <a:p>
+            <a:fld id="{2229FAFC-F8C0-4300-85D0-0841763FFE0D}" type="slidenum">
+              <a:rPr lang="en-US" smtClean="0"/>
+              <a:t>23</a:t>
+            </a:fld>
+            <a:endParaRPr lang="en-US"/>
+          </a:p>
+        </p:txBody>
+      </p:sp>
+    </p:spTree>
+    <p:extLst>
+      <p:ext uri="{BB962C8B-B14F-4D97-AF65-F5344CB8AC3E}">
+        <p14:creationId xmlns:p14="http://schemas.microsoft.com/office/powerpoint/2010/main" val="43918328"/>
+      </p:ext>
+    </p:extLst>
+  </p:cSld>
+  <p:clrMapOvr>
+    <a:masterClrMapping/>
+  </p:clrMapOvr>
+</p:notes>
+</file>
+
+<file path=ppt/notesSlides/notesSlide15.xml><?xml version="1.0" encoding="utf-8"?>
+<p:notes xmlns:a="http://schemas.openxmlformats.org/drawingml/2006/main" xmlns:r="http://schemas.openxmlformats.org/officeDocument/2006/relationships" xmlns:p="http://schemas.openxmlformats.org/presentationml/2006/main">
+  <p:cSld>
+    <p:spTree>
+      <p:nvGrpSpPr>
+        <p:cNvPr id="1" name=""/>
+        <p:cNvGrpSpPr/>
+        <p:nvPr/>
+      </p:nvGrpSpPr>
+      <p:grpSpPr>
+        <a:xfrm>
+          <a:off x="0" y="0"/>
+          <a:ext cx="0" cy="0"/>
+          <a:chOff x="0" y="0"/>
+          <a:chExt cx="0" cy="0"/>
+        </a:xfrm>
+      </p:grpSpPr>
+      <p:sp>
+        <p:nvSpPr>
+          <p:cNvPr id="2" name="Slide Image Placeholder 1"/>
+          <p:cNvSpPr>
+            <a:spLocks noGrp="1" noRot="1" noChangeAspect="1"/>
+          </p:cNvSpPr>
+          <p:nvPr>
+            <p:ph type="sldImg"/>
+          </p:nvPr>
+        </p:nvSpPr>
+        <p:spPr/>
+      </p:sp>
+      <p:sp>
+        <p:nvSpPr>
+          <p:cNvPr id="3" name="Notes Placeholder 2"/>
+          <p:cNvSpPr>
+            <a:spLocks noGrp="1"/>
+          </p:cNvSpPr>
+          <p:nvPr>
+            <p:ph type="body" idx="1"/>
+          </p:nvPr>
+        </p:nvSpPr>
+        <p:spPr/>
+        <p:txBody>
+          <a:bodyPr/>
+          <a:lstStyle/>
+          <a:p>
+            <a:r>
+              <a:rPr lang="en-US" dirty="0" smtClean="0">
+                <a:hlinkClick r:id="rId3"/>
+              </a:rPr>
+              <a:t>https://github.com/bilalshahzad139/SeleniumUIAutomation</a:t>
+            </a:r>
+            <a:r>
+              <a:rPr lang="en-US" dirty="0" smtClean="0"/>
+              <a:t>/Unit Testing</a:t>
+            </a:r>
+            <a:r>
+              <a:rPr lang="en-US" dirty="0" smtClean="0"/>
+              <a:t> </a:t>
+            </a:r>
+            <a:endParaRPr lang="en-US" dirty="0"/>
+          </a:p>
+        </p:txBody>
+      </p:sp>
+      <p:sp>
+        <p:nvSpPr>
+          <p:cNvPr id="4" name="Slide Number Placeholder 3"/>
+          <p:cNvSpPr>
+            <a:spLocks noGrp="1"/>
+          </p:cNvSpPr>
+          <p:nvPr>
+            <p:ph type="sldNum" sz="quarter" idx="10"/>
+          </p:nvPr>
+        </p:nvSpPr>
+        <p:spPr/>
+        <p:txBody>
+          <a:bodyPr/>
+          <a:lstStyle/>
+          <a:p>
+            <a:fld id="{2229FAFC-F8C0-4300-85D0-0841763FFE0D}" type="slidenum">
+              <a:rPr lang="en-US" smtClean="0"/>
+              <a:t>24</a:t>
+            </a:fld>
+            <a:endParaRPr lang="en-US"/>
+          </a:p>
+        </p:txBody>
+      </p:sp>
+    </p:spTree>
+    <p:extLst>
+      <p:ext uri="{BB962C8B-B14F-4D97-AF65-F5344CB8AC3E}">
+        <p14:creationId xmlns:p14="http://schemas.microsoft.com/office/powerpoint/2010/main" val="43918328"/>
+      </p:ext>
+    </p:extLst>
+  </p:cSld>
+  <p:clrMapOvr>
+    <a:masterClrMapping/>
+  </p:clrMapOvr>
+</p:notes>
+</file>
+
+<file path=ppt/notesSlides/notesSlide16.xml><?xml version="1.0" encoding="utf-8"?>
+<p:notes xmlns:a="http://schemas.openxmlformats.org/drawingml/2006/main" xmlns:r="http://schemas.openxmlformats.org/officeDocument/2006/relationships" xmlns:p="http://schemas.openxmlformats.org/presentationml/2006/main">
+  <p:cSld>
+    <p:spTree>
+      <p:nvGrpSpPr>
+        <p:cNvPr id="1" name=""/>
+        <p:cNvGrpSpPr/>
+        <p:nvPr/>
+      </p:nvGrpSpPr>
+      <p:grpSpPr>
+        <a:xfrm>
+          <a:off x="0" y="0"/>
+          <a:ext cx="0" cy="0"/>
+          <a:chOff x="0" y="0"/>
+          <a:chExt cx="0" cy="0"/>
+        </a:xfrm>
+      </p:grpSpPr>
+      <p:sp>
+        <p:nvSpPr>
+          <p:cNvPr id="2" name="Slide Image Placeholder 1"/>
+          <p:cNvSpPr>
+            <a:spLocks noGrp="1" noRot="1" noChangeAspect="1"/>
+          </p:cNvSpPr>
+          <p:nvPr>
+            <p:ph type="sldImg"/>
+          </p:nvPr>
+        </p:nvSpPr>
+        <p:spPr/>
+      </p:sp>
+      <p:sp>
+        <p:nvSpPr>
+          <p:cNvPr id="3" name="Notes Placeholder 2"/>
+          <p:cNvSpPr>
+            <a:spLocks noGrp="1"/>
+          </p:cNvSpPr>
+          <p:nvPr>
+            <p:ph type="body" idx="1"/>
+          </p:nvPr>
+        </p:nvSpPr>
+        <p:spPr/>
+        <p:txBody>
+          <a:bodyPr/>
+          <a:lstStyle/>
+          <a:p>
+            <a:r>
+              <a:rPr lang="en-US" dirty="0" smtClean="0">
+                <a:hlinkClick r:id="rId3"/>
+              </a:rPr>
+              <a:t>https://www.w3schools.com/xml/xml_xpath.asp</a:t>
+            </a:r>
+            <a:endParaRPr lang="en-US" dirty="0"/>
+          </a:p>
+        </p:txBody>
+      </p:sp>
+      <p:sp>
+        <p:nvSpPr>
+          <p:cNvPr id="4" name="Slide Number Placeholder 3"/>
+          <p:cNvSpPr>
+            <a:spLocks noGrp="1"/>
+          </p:cNvSpPr>
+          <p:nvPr>
+            <p:ph type="sldNum" sz="quarter" idx="10"/>
+          </p:nvPr>
+        </p:nvSpPr>
+        <p:spPr/>
+        <p:txBody>
+          <a:bodyPr/>
+          <a:lstStyle/>
+          <a:p>
+            <a:fld id="{2229FAFC-F8C0-4300-85D0-0841763FFE0D}" type="slidenum">
+              <a:rPr lang="en-US" smtClean="0"/>
+              <a:t>25</a:t>
+            </a:fld>
+            <a:endParaRPr lang="en-US"/>
+          </a:p>
+        </p:txBody>
+      </p:sp>
+    </p:spTree>
+    <p:extLst>
+      <p:ext uri="{BB962C8B-B14F-4D97-AF65-F5344CB8AC3E}">
+        <p14:creationId xmlns:p14="http://schemas.microsoft.com/office/powerpoint/2010/main" val="43918328"/>
+      </p:ext>
+    </p:extLst>
+  </p:cSld>
+  <p:clrMapOvr>
+    <a:masterClrMapping/>
+  </p:clrMapOvr>
+</p:notes>
+</file>
+
+<file path=ppt/notesSlides/notesSlide17.xml><?xml version="1.0" encoding="utf-8"?>
+<p:notes xmlns:a="http://schemas.openxmlformats.org/drawingml/2006/main" xmlns:r="http://schemas.openxmlformats.org/officeDocument/2006/relationships" xmlns:p="http://schemas.openxmlformats.org/presentationml/2006/main">
+  <p:cSld>
+    <p:spTree>
+      <p:nvGrpSpPr>
+        <p:cNvPr id="1" name=""/>
+        <p:cNvGrpSpPr/>
+        <p:nvPr/>
+      </p:nvGrpSpPr>
+      <p:grpSpPr>
+        <a:xfrm>
+          <a:off x="0" y="0"/>
+          <a:ext cx="0" cy="0"/>
+          <a:chOff x="0" y="0"/>
+          <a:chExt cx="0" cy="0"/>
+        </a:xfrm>
+      </p:grpSpPr>
+      <p:sp>
+        <p:nvSpPr>
+          <p:cNvPr id="2" name="Slide Image Placeholder 1"/>
+          <p:cNvSpPr>
+            <a:spLocks noGrp="1" noRot="1" noChangeAspect="1"/>
+          </p:cNvSpPr>
+          <p:nvPr>
+            <p:ph type="sldImg"/>
+          </p:nvPr>
+        </p:nvSpPr>
+        <p:spPr/>
+      </p:sp>
+      <p:sp>
+        <p:nvSpPr>
+          <p:cNvPr id="3" name="Notes Placeholder 2"/>
+          <p:cNvSpPr>
+            <a:spLocks noGrp="1"/>
+          </p:cNvSpPr>
+          <p:nvPr>
+            <p:ph type="body" idx="1"/>
+          </p:nvPr>
+        </p:nvSpPr>
+        <p:spPr/>
+        <p:txBody>
+          <a:bodyPr/>
+          <a:lstStyle/>
+          <a:p>
+            <a:endParaRPr lang="en-US" dirty="0"/>
+          </a:p>
+        </p:txBody>
+      </p:sp>
+      <p:sp>
+        <p:nvSpPr>
+          <p:cNvPr id="4" name="Slide Number Placeholder 3"/>
+          <p:cNvSpPr>
+            <a:spLocks noGrp="1"/>
+          </p:cNvSpPr>
+          <p:nvPr>
+            <p:ph type="sldNum" sz="quarter" idx="10"/>
+          </p:nvPr>
+        </p:nvSpPr>
+        <p:spPr/>
+        <p:txBody>
+          <a:bodyPr/>
+          <a:lstStyle/>
+          <a:p>
+            <a:fld id="{2229FAFC-F8C0-4300-85D0-0841763FFE0D}" type="slidenum">
+              <a:rPr lang="en-US" smtClean="0"/>
+              <a:t>26</a:t>
+            </a:fld>
+            <a:endParaRPr lang="en-US"/>
+          </a:p>
+        </p:txBody>
+      </p:sp>
+    </p:spTree>
+    <p:extLst>
+      <p:ext uri="{BB962C8B-B14F-4D97-AF65-F5344CB8AC3E}">
+        <p14:creationId xmlns:p14="http://schemas.microsoft.com/office/powerpoint/2010/main" val="43918328"/>
+      </p:ext>
+    </p:extLst>
+  </p:cSld>
+  <p:clrMapOvr>
+    <a:masterClrMapping/>
+  </p:clrMapOvr>
+</p:notes>
+</file>
+
+<file path=ppt/notesSlides/notesSlide18.xml><?xml version="1.0" encoding="utf-8"?>
+<p:notes xmlns:a="http://schemas.openxmlformats.org/drawingml/2006/main" xmlns:r="http://schemas.openxmlformats.org/officeDocument/2006/relationships" xmlns:p="http://schemas.openxmlformats.org/presentationml/2006/main">
+  <p:cSld>
+    <p:spTree>
+      <p:nvGrpSpPr>
+        <p:cNvPr id="1" name=""/>
+        <p:cNvGrpSpPr/>
+        <p:nvPr/>
+      </p:nvGrpSpPr>
+      <p:grpSpPr>
+        <a:xfrm>
+          <a:off x="0" y="0"/>
+          <a:ext cx="0" cy="0"/>
+          <a:chOff x="0" y="0"/>
+          <a:chExt cx="0" cy="0"/>
+        </a:xfrm>
+      </p:grpSpPr>
+      <p:sp>
+        <p:nvSpPr>
+          <p:cNvPr id="2" name="Slide Image Placeholder 1"/>
+          <p:cNvSpPr>
+            <a:spLocks noGrp="1" noRot="1" noChangeAspect="1"/>
+          </p:cNvSpPr>
+          <p:nvPr>
+            <p:ph type="sldImg"/>
+          </p:nvPr>
+        </p:nvSpPr>
+        <p:spPr/>
+      </p:sp>
+      <p:sp>
+        <p:nvSpPr>
+          <p:cNvPr id="3" name="Notes Placeholder 2"/>
+          <p:cNvSpPr>
+            <a:spLocks noGrp="1"/>
+          </p:cNvSpPr>
+          <p:nvPr>
+            <p:ph type="body" idx="1"/>
+          </p:nvPr>
+        </p:nvSpPr>
+        <p:spPr/>
+        <p:txBody>
+          <a:bodyPr/>
+          <a:lstStyle/>
+          <a:p>
+            <a:endParaRPr lang="en-US" dirty="0"/>
+          </a:p>
+        </p:txBody>
+      </p:sp>
+      <p:sp>
+        <p:nvSpPr>
+          <p:cNvPr id="4" name="Slide Number Placeholder 3"/>
+          <p:cNvSpPr>
+            <a:spLocks noGrp="1"/>
+          </p:cNvSpPr>
+          <p:nvPr>
+            <p:ph type="sldNum" sz="quarter" idx="10"/>
+          </p:nvPr>
+        </p:nvSpPr>
+        <p:spPr/>
+        <p:txBody>
+          <a:bodyPr/>
+          <a:lstStyle/>
+          <a:p>
+            <a:fld id="{2229FAFC-F8C0-4300-85D0-0841763FFE0D}" type="slidenum">
+              <a:rPr lang="en-US" smtClean="0"/>
+              <a:t>27</a:t>
+            </a:fld>
+            <a:endParaRPr lang="en-US"/>
+          </a:p>
+        </p:txBody>
+      </p:sp>
+    </p:spTree>
+    <p:extLst>
+      <p:ext uri="{BB962C8B-B14F-4D97-AF65-F5344CB8AC3E}">
+        <p14:creationId xmlns:p14="http://schemas.microsoft.com/office/powerpoint/2010/main" val="43918328"/>
+      </p:ext>
+    </p:extLst>
+  </p:cSld>
+  <p:clrMapOvr>
+    <a:masterClrMapping/>
+  </p:clrMapOvr>
+</p:notes>
+</file>
+
 <file path=ppt/notesSlides/notesSlide2.xml><?xml version="1.0" encoding="utf-8"?>
 <p:notes xmlns:a="http://schemas.openxmlformats.org/drawingml/2006/main" xmlns:r="http://schemas.openxmlformats.org/officeDocument/2006/relationships" xmlns:p="http://schemas.openxmlformats.org/presentationml/2006/main">
   <p:cSld>
@@ -1360,6 +2216,104 @@
     <p:extLst>
       <p:ext uri="{BB962C8B-B14F-4D97-AF65-F5344CB8AC3E}">
         <p14:creationId xmlns:p14="http://schemas.microsoft.com/office/powerpoint/2010/main" val="2666721773"/>
+      </p:ext>
+    </p:extLst>
+  </p:cSld>
+  <p:clrMapOvr>
+    <a:masterClrMapping/>
+  </p:clrMapOvr>
+</p:notes>
+</file>
+
+<file path=ppt/notesSlides/notesSlide9.xml><?xml version="1.0" encoding="utf-8"?>
+<p:notes xmlns:a="http://schemas.openxmlformats.org/drawingml/2006/main" xmlns:r="http://schemas.openxmlformats.org/officeDocument/2006/relationships" xmlns:p="http://schemas.openxmlformats.org/presentationml/2006/main">
+  <p:cSld>
+    <p:spTree>
+      <p:nvGrpSpPr>
+        <p:cNvPr id="1" name=""/>
+        <p:cNvGrpSpPr/>
+        <p:nvPr/>
+      </p:nvGrpSpPr>
+      <p:grpSpPr>
+        <a:xfrm>
+          <a:off x="0" y="0"/>
+          <a:ext cx="0" cy="0"/>
+          <a:chOff x="0" y="0"/>
+          <a:chExt cx="0" cy="0"/>
+        </a:xfrm>
+      </p:grpSpPr>
+      <p:sp>
+        <p:nvSpPr>
+          <p:cNvPr id="2" name="Slide Image Placeholder 1"/>
+          <p:cNvSpPr>
+            <a:spLocks noGrp="1" noRot="1" noChangeAspect="1"/>
+          </p:cNvSpPr>
+          <p:nvPr>
+            <p:ph type="sldImg"/>
+          </p:nvPr>
+        </p:nvSpPr>
+        <p:spPr/>
+      </p:sp>
+      <p:sp>
+        <p:nvSpPr>
+          <p:cNvPr id="3" name="Notes Placeholder 2"/>
+          <p:cNvSpPr>
+            <a:spLocks noGrp="1"/>
+          </p:cNvSpPr>
+          <p:nvPr>
+            <p:ph type="body" idx="1"/>
+          </p:nvPr>
+        </p:nvSpPr>
+        <p:spPr/>
+        <p:txBody>
+          <a:bodyPr/>
+          <a:lstStyle/>
+          <a:p>
+            <a:r>
+              <a:rPr lang="en-US" dirty="0" smtClean="0">
+                <a:hlinkClick r:id="rId3"/>
+              </a:rPr>
+              <a:t>https://github.com/bilalshahzad139/SeleniumUIAutomation</a:t>
+            </a:r>
+            <a:r>
+              <a:rPr lang="en-US" dirty="0" smtClean="0"/>
+              <a:t>/Unit Testing</a:t>
+            </a:r>
+            <a:r>
+              <a:rPr lang="en-US" dirty="0" smtClean="0"/>
+              <a:t> </a:t>
+            </a:r>
+            <a:endParaRPr lang="en-US" dirty="0"/>
+          </a:p>
+        </p:txBody>
+      </p:sp>
+      <p:sp>
+        <p:nvSpPr>
+          <p:cNvPr id="4" name="Slide Number Placeholder 3"/>
+          <p:cNvSpPr>
+            <a:spLocks noGrp="1"/>
+          </p:cNvSpPr>
+          <p:nvPr>
+            <p:ph type="sldNum" sz="quarter" idx="10"/>
+          </p:nvPr>
+        </p:nvSpPr>
+        <p:spPr/>
+        <p:txBody>
+          <a:bodyPr/>
+          <a:lstStyle/>
+          <a:p>
+            <a:fld id="{2229FAFC-F8C0-4300-85D0-0841763FFE0D}" type="slidenum">
+              <a:rPr lang="en-US" smtClean="0"/>
+              <a:t>18</a:t>
+            </a:fld>
+            <a:endParaRPr lang="en-US"/>
+          </a:p>
+        </p:txBody>
+      </p:sp>
+    </p:spTree>
+    <p:extLst>
+      <p:ext uri="{BB962C8B-B14F-4D97-AF65-F5344CB8AC3E}">
+        <p14:creationId xmlns:p14="http://schemas.microsoft.com/office/powerpoint/2010/main" val="43918328"/>
       </p:ext>
     </p:extLst>
   </p:cSld>
@@ -1503,7 +2457,7 @@
           <a:p>
             <a:fld id="{3A7B9BA3-9635-40AC-9A47-1BC487F99B17}" type="datetime1">
               <a:rPr lang="en-US" smtClean="0"/>
-              <a:t>4/18/2019</a:t>
+              <a:t>4/19/2019</a:t>
             </a:fld>
             <a:endParaRPr lang="en-US"/>
           </a:p>
@@ -1821,7 +2775,7 @@
           <a:p>
             <a:fld id="{3D89DC46-751C-45EE-B359-9452DFFC97A7}" type="datetime1">
               <a:rPr lang="en-US" smtClean="0"/>
-              <a:t>4/18/2019</a:t>
+              <a:t>4/19/2019</a:t>
             </a:fld>
             <a:endParaRPr lang="en-US"/>
           </a:p>
@@ -2011,7 +2965,7 @@
           <a:p>
             <a:fld id="{B6E7336F-DF3C-484E-A395-46A0F5D3E75D}" type="datetime1">
               <a:rPr lang="en-US" smtClean="0"/>
-              <a:t>4/18/2019</a:t>
+              <a:t>4/19/2019</a:t>
             </a:fld>
             <a:endParaRPr lang="en-US"/>
           </a:p>
@@ -2191,7 +3145,7 @@
           <a:p>
             <a:fld id="{6154146A-EEF2-4447-9B63-1093335E8C99}" type="datetime1">
               <a:rPr lang="en-US" smtClean="0"/>
-              <a:t>4/18/2019</a:t>
+              <a:t>4/19/2019</a:t>
             </a:fld>
             <a:endParaRPr lang="en-US"/>
           </a:p>
@@ -2464,7 +3418,7 @@
           <a:p>
             <a:fld id="{A7F5D853-D038-4437-A44B-F9A62230FD67}" type="datetime1">
               <a:rPr lang="en-US" smtClean="0"/>
-              <a:t>4/18/2019</a:t>
+              <a:t>4/19/2019</a:t>
             </a:fld>
             <a:endParaRPr lang="en-US"/>
           </a:p>
@@ -2937,7 +3891,7 @@
           <a:p>
             <a:fld id="{1C5AAA15-0AEA-414D-B8C4-1BDB4ADADE26}" type="datetime1">
               <a:rPr lang="en-US" smtClean="0"/>
-              <a:t>4/18/2019</a:t>
+              <a:t>4/19/2019</a:t>
             </a:fld>
             <a:endParaRPr lang="en-US"/>
           </a:p>
@@ -3431,7 +4385,7 @@
           <a:p>
             <a:fld id="{B036C455-B316-46E1-9177-65E7B5092787}" type="datetime1">
               <a:rPr lang="en-US" smtClean="0"/>
-              <a:t>4/18/2019</a:t>
+              <a:t>4/19/2019</a:t>
             </a:fld>
             <a:endParaRPr lang="en-US"/>
           </a:p>
@@ -3562,7 +4516,7 @@
           <a:p>
             <a:fld id="{54D67B87-9DDA-4C83-87EB-A70914510CE4}" type="datetime1">
               <a:rPr lang="en-US" smtClean="0"/>
-              <a:t>4/18/2019</a:t>
+              <a:t>4/19/2019</a:t>
             </a:fld>
             <a:endParaRPr lang="en-US"/>
           </a:p>
@@ -3711,7 +4665,7 @@
           <a:p>
             <a:fld id="{28A73CFE-99D8-4404-ACB1-96E182B1B3AF}" type="datetime1">
               <a:rPr lang="en-US" smtClean="0"/>
-              <a:t>4/18/2019</a:t>
+              <a:t>4/19/2019</a:t>
             </a:fld>
             <a:endParaRPr lang="en-US"/>
           </a:p>
@@ -4038,7 +4992,7 @@
           <a:p>
             <a:fld id="{82062626-DAAA-4698-8AE0-049B0910E261}" type="datetime1">
               <a:rPr lang="en-US" smtClean="0"/>
-              <a:t>4/18/2019</a:t>
+              <a:t>4/19/2019</a:t>
             </a:fld>
             <a:endParaRPr lang="en-US"/>
           </a:p>
@@ -4177,7 +5131,7 @@
           <a:p>
             <a:fld id="{40D7D87A-4935-48EB-801E-8F07608ABF72}" type="datetime1">
               <a:rPr lang="en-US" smtClean="0"/>
-              <a:t>4/18/2019</a:t>
+              <a:t>4/19/2019</a:t>
             </a:fld>
             <a:endParaRPr lang="en-US"/>
           </a:p>
@@ -4963,7 +5917,7 @@
           <a:p>
             <a:fld id="{7DC533F8-9967-4694-8626-38678EC1828B}" type="datetime1">
               <a:rPr lang="en-US" smtClean="0"/>
-              <a:t>4/18/2019</a:t>
+              <a:t>4/19/2019</a:t>
             </a:fld>
             <a:endParaRPr lang="en-US"/>
           </a:p>
@@ -5510,11 +6464,7 @@
           <a:p>
             <a:r>
               <a:rPr lang="en-US" dirty="0" smtClean="0"/>
-              <a:t>Automation with Bilal </a:t>
-            </a:r>
-            <a:r>
-              <a:rPr lang="en-US" dirty="0" smtClean="0"/>
-              <a:t>Shahzad</a:t>
+              <a:t>Automation with Bilal Shahzad</a:t>
             </a:r>
             <a:endParaRPr lang="en-US" dirty="0"/>
           </a:p>
@@ -8373,7 +9323,7 @@
           <a:p>
             <a:r>
               <a:rPr lang="en-US" dirty="0" smtClean="0"/>
-              <a:t>One Second </a:t>
+              <a:t>Part 2 – UI Automated Testing</a:t>
             </a:r>
             <a:endParaRPr lang="en-US" dirty="0"/>
           </a:p>
@@ -8392,83 +9342,67 @@
         <p:spPr/>
         <p:txBody>
           <a:bodyPr>
-            <a:normAutofit lnSpcReduction="10000"/>
+            <a:normAutofit/>
           </a:bodyPr>
           <a:lstStyle/>
           <a:p>
             <a:r>
-              <a:rPr lang="en-US" sz="2800" dirty="0" smtClean="0"/>
-              <a:t>Mark your Attendance</a:t>
-            </a:r>
-          </a:p>
-          <a:p>
-            <a:pPr lvl="1"/>
-            <a:r>
-              <a:rPr lang="en-US" sz="2400" dirty="0">
-                <a:hlinkClick r:id="rId2"/>
-              </a:rPr>
-              <a:t>https://</a:t>
-            </a:r>
-            <a:r>
-              <a:rPr lang="en-US" sz="2400" dirty="0" smtClean="0">
-                <a:hlinkClick r:id="rId2"/>
-              </a:rPr>
-              <a:t>docs.google.com/forms/d/e/1FAIpQLSfJRkcw5CyOyzsmEUbvef5RDtcZKl4PnU8b3X52EV2n4abF0g/viewform</a:t>
+              <a:rPr lang="en-US" sz="2400" dirty="0" smtClean="0"/>
+              <a:t>Demo of Sample Web Application</a:t>
+            </a:r>
+          </a:p>
+          <a:p>
+            <a:r>
+              <a:rPr lang="en-US" sz="2400" dirty="0" smtClean="0"/>
+              <a:t>Login Verification</a:t>
+            </a:r>
+          </a:p>
+          <a:p>
+            <a:r>
+              <a:rPr lang="en-US" sz="2400" dirty="0" smtClean="0"/>
+              <a:t>New Record Creation</a:t>
+            </a:r>
+          </a:p>
+          <a:p>
+            <a:r>
+              <a:rPr lang="en-US" sz="2400" dirty="0" smtClean="0"/>
+              <a:t>Show All Records</a:t>
+            </a:r>
+          </a:p>
+          <a:p>
+            <a:r>
+              <a:rPr lang="en-US" sz="2400" dirty="0" smtClean="0"/>
+              <a:t>Headless Browser</a:t>
+            </a:r>
+          </a:p>
+          <a:p>
+            <a:r>
+              <a:rPr lang="en-US" sz="2400" dirty="0" smtClean="0"/>
+              <a:t>UI Automated Testing with Selenium + </a:t>
+            </a:r>
+            <a:r>
+              <a:rPr lang="en-US" sz="2400" dirty="0" err="1" smtClean="0"/>
+              <a:t>Nunit</a:t>
             </a:r>
             <a:endParaRPr lang="en-US" sz="2400" dirty="0" smtClean="0"/>
           </a:p>
           <a:p>
             <a:r>
-              <a:rPr lang="en-US" sz="3200" dirty="0" smtClean="0"/>
-              <a:t>Feedback</a:t>
-            </a:r>
-          </a:p>
-          <a:p>
-            <a:pPr lvl="1"/>
-            <a:r>
-              <a:rPr lang="en-US" sz="2400" dirty="0">
-                <a:hlinkClick r:id="rId3"/>
-              </a:rPr>
-              <a:t>https://</a:t>
-            </a:r>
-            <a:r>
-              <a:rPr lang="en-US" sz="2400" dirty="0" smtClean="0">
-                <a:hlinkClick r:id="rId3"/>
-              </a:rPr>
-              <a:t>docs.google.com/forms/d/e/1FAIpQLSeopkMnvGegk-4xDqju26PGaXLl0L19Mte45lbKW1qCm-yBuA/viewform</a:t>
-            </a:r>
-            <a:r>
               <a:rPr lang="en-US" sz="2400" dirty="0" smtClean="0"/>
-              <a:t> </a:t>
-            </a:r>
-          </a:p>
-          <a:p>
-            <a:r>
-              <a:rPr lang="en-US" sz="2800" dirty="0" smtClean="0"/>
-              <a:t>Material</a:t>
-            </a:r>
-          </a:p>
-          <a:p>
-            <a:pPr lvl="1"/>
-            <a:r>
-              <a:rPr lang="en-US" sz="2400" dirty="0">
-                <a:hlinkClick r:id="rId4"/>
-              </a:rPr>
-              <a:t>https://</a:t>
-            </a:r>
-            <a:r>
-              <a:rPr lang="en-US" sz="2400" dirty="0" smtClean="0">
-                <a:hlinkClick r:id="rId4"/>
-              </a:rPr>
-              <a:t>docs.google.com/spreadsheets/d/1LaeIrpanrKKeEkBIPPCWbbqnP8loNnm7RjlgVe1T61Y/edit#gid=999102021</a:t>
-            </a:r>
+              <a:t>Introduction to </a:t>
+            </a:r>
+            <a:r>
+              <a:rPr lang="en-US" sz="2400" dirty="0" err="1" smtClean="0"/>
+              <a:t>Xpath</a:t>
+            </a:r>
+            <a:endParaRPr lang="en-US" sz="2400" dirty="0" smtClean="0"/>
+          </a:p>
+          <a:p>
             <a:r>
               <a:rPr lang="en-US" sz="2400" dirty="0" smtClean="0"/>
-              <a:t> </a:t>
-            </a:r>
-          </a:p>
-          <a:p>
-            <a:endParaRPr lang="en-US" sz="2000" dirty="0"/>
+              <a:t>Introduction to Selenium IDE</a:t>
+            </a:r>
+            <a:endParaRPr lang="en-US" sz="2400" dirty="0"/>
           </a:p>
         </p:txBody>
       </p:sp>
@@ -8499,7 +9433,7 @@
     </p:spTree>
     <p:extLst>
       <p:ext uri="{BB962C8B-B14F-4D97-AF65-F5344CB8AC3E}">
-        <p14:creationId xmlns:p14="http://schemas.microsoft.com/office/powerpoint/2010/main" val="444613958"/>
+        <p14:creationId xmlns:p14="http://schemas.microsoft.com/office/powerpoint/2010/main" val="3646958788"/>
       </p:ext>
     </p:extLst>
   </p:cSld>
@@ -8535,6 +9469,56 @@
       </p:grpSpPr>
       <p:sp>
         <p:nvSpPr>
+          <p:cNvPr id="2" name="Title 1"/>
+          <p:cNvSpPr>
+            <a:spLocks noGrp="1"/>
+          </p:cNvSpPr>
+          <p:nvPr>
+            <p:ph type="title"/>
+          </p:nvPr>
+        </p:nvSpPr>
+        <p:spPr/>
+        <p:txBody>
+          <a:bodyPr>
+            <a:normAutofit/>
+          </a:bodyPr>
+          <a:lstStyle/>
+          <a:p>
+            <a:r>
+              <a:rPr lang="en-US" dirty="0" smtClean="0"/>
+              <a:t>Task 1 – Login Verification</a:t>
+            </a:r>
+            <a:endParaRPr lang="en-US" dirty="0"/>
+          </a:p>
+        </p:txBody>
+      </p:sp>
+      <p:sp>
+        <p:nvSpPr>
+          <p:cNvPr id="3" name="Content Placeholder 2"/>
+          <p:cNvSpPr>
+            <a:spLocks noGrp="1"/>
+          </p:cNvSpPr>
+          <p:nvPr>
+            <p:ph idx="1"/>
+          </p:nvPr>
+        </p:nvSpPr>
+        <p:spPr/>
+        <p:txBody>
+          <a:bodyPr>
+            <a:normAutofit/>
+          </a:bodyPr>
+          <a:lstStyle/>
+          <a:p>
+            <a:r>
+              <a:rPr lang="en-US" dirty="0" smtClean="0"/>
+              <a:t>Goal: Validate if Login/Password is working properly</a:t>
+            </a:r>
+            <a:endParaRPr lang="en-US" dirty="0"/>
+          </a:p>
+        </p:txBody>
+      </p:sp>
+      <p:sp>
+        <p:nvSpPr>
           <p:cNvPr id="6" name="Slide Number Placeholder 5"/>
           <p:cNvSpPr>
             <a:spLocks noGrp="1"/>
@@ -8557,74 +9541,10 @@
           </a:p>
         </p:txBody>
       </p:sp>
-      <p:pic>
-        <p:nvPicPr>
-          <p:cNvPr id="5" name="Picture 3"/>
-          <p:cNvPicPr>
-            <a:picLocks noChangeAspect="1" noChangeArrowheads="1"/>
-          </p:cNvPicPr>
-          <p:nvPr/>
-        </p:nvPicPr>
-        <p:blipFill>
-          <a:blip r:embed="rId2">
-            <a:extLst>
-              <a:ext uri="{28A0092B-C50C-407E-A947-70E740481C1C}">
-                <a14:useLocalDpi xmlns:a14="http://schemas.microsoft.com/office/drawing/2010/main" val="0"/>
-              </a:ext>
-            </a:extLst>
-          </a:blip>
-          <a:srcRect/>
-          <a:stretch>
-            <a:fillRect/>
-          </a:stretch>
-        </p:blipFill>
-        <p:spPr bwMode="auto">
-          <a:xfrm>
-            <a:off x="1676400" y="1905000"/>
-            <a:ext cx="5648325" cy="3333750"/>
-          </a:xfrm>
-          <a:prstGeom prst="rect">
-            <a:avLst/>
-          </a:prstGeom>
-          <a:noFill/>
-          <a:ln>
-            <a:noFill/>
-          </a:ln>
-          <a:effectLst/>
-          <a:extLst>
-            <a:ext uri="{909E8E84-426E-40DD-AFC4-6F175D3DCCD1}">
-              <a14:hiddenFill xmlns:a14="http://schemas.microsoft.com/office/drawing/2010/main">
-                <a:solidFill>
-                  <a:schemeClr val="accent1"/>
-                </a:solidFill>
-              </a14:hiddenFill>
-            </a:ext>
-            <a:ext uri="{91240B29-F687-4F45-9708-019B960494DF}">
-              <a14:hiddenLine xmlns:a14="http://schemas.microsoft.com/office/drawing/2010/main" w="9525">
-                <a:solidFill>
-                  <a:schemeClr val="tx1"/>
-                </a:solidFill>
-                <a:miter lim="800000"/>
-                <a:headEnd/>
-                <a:tailEnd/>
-              </a14:hiddenLine>
-            </a:ext>
-            <a:ext uri="{AF507438-7753-43E0-B8FC-AC1667EBCBE1}">
-              <a14:hiddenEffects xmlns:a14="http://schemas.microsoft.com/office/drawing/2010/main">
-                <a:effectLst>
-                  <a:outerShdw dist="35921" dir="2700000" algn="ctr" rotWithShape="0">
-                    <a:schemeClr val="bg2"/>
-                  </a:outerShdw>
-                </a:effectLst>
-              </a14:hiddenEffects>
-            </a:ext>
-          </a:extLst>
-        </p:spPr>
-      </p:pic>
     </p:spTree>
     <p:extLst>
       <p:ext uri="{BB962C8B-B14F-4D97-AF65-F5344CB8AC3E}">
-        <p14:creationId xmlns:p14="http://schemas.microsoft.com/office/powerpoint/2010/main" val="681827310"/>
+        <p14:creationId xmlns:p14="http://schemas.microsoft.com/office/powerpoint/2010/main" val="21887879"/>
       </p:ext>
     </p:extLst>
   </p:cSld>
@@ -9012,20 +9932,16 @@
             <p:ph type="title"/>
           </p:nvPr>
         </p:nvSpPr>
-        <p:spPr>
-          <a:xfrm>
-            <a:off x="533400" y="2667000"/>
-            <a:ext cx="8229600" cy="1143000"/>
-          </a:xfrm>
-        </p:spPr>
-        <p:txBody>
-          <a:bodyPr/>
+        <p:spPr/>
+        <p:txBody>
+          <a:bodyPr>
+            <a:normAutofit fontScale="90000"/>
+          </a:bodyPr>
           <a:lstStyle/>
           <a:p>
-            <a:pPr algn="ctr"/>
             <a:r>
               <a:rPr lang="en-US" dirty="0" smtClean="0"/>
-              <a:t>Thank You</a:t>
+              <a:t>Task 2 – Login Verification - Admin</a:t>
             </a:r>
             <a:endParaRPr lang="en-US" dirty="0"/>
           </a:p>
@@ -9033,7 +9949,32 @@
       </p:sp>
       <p:sp>
         <p:nvSpPr>
-          <p:cNvPr id="5" name="Slide Number Placeholder 4"/>
+          <p:cNvPr id="3" name="Content Placeholder 2"/>
+          <p:cNvSpPr>
+            <a:spLocks noGrp="1"/>
+          </p:cNvSpPr>
+          <p:nvPr>
+            <p:ph idx="1"/>
+          </p:nvPr>
+        </p:nvSpPr>
+        <p:spPr/>
+        <p:txBody>
+          <a:bodyPr>
+            <a:normAutofit/>
+          </a:bodyPr>
+          <a:lstStyle/>
+          <a:p>
+            <a:r>
+              <a:rPr lang="en-US" dirty="0" smtClean="0"/>
+              <a:t>Goal: Validate if Login/Password is working properly and if it is Admin user.</a:t>
+            </a:r>
+            <a:endParaRPr lang="en-US" dirty="0"/>
+          </a:p>
+        </p:txBody>
+      </p:sp>
+      <p:sp>
+        <p:nvSpPr>
+          <p:cNvPr id="6" name="Slide Number Placeholder 5"/>
           <p:cNvSpPr>
             <a:spLocks noGrp="1"/>
           </p:cNvSpPr>
@@ -9051,14 +9992,1865 @@
               <a:pPr/>
               <a:t>20</a:t>
             </a:fld>
-            <a:endParaRPr lang="en-US"/>
+            <a:endParaRPr lang="en-US" dirty="0"/>
           </a:p>
         </p:txBody>
       </p:sp>
     </p:spTree>
     <p:extLst>
       <p:ext uri="{BB962C8B-B14F-4D97-AF65-F5344CB8AC3E}">
-        <p14:creationId xmlns:p14="http://schemas.microsoft.com/office/powerpoint/2010/main" val="2817008823"/>
+        <p14:creationId xmlns:p14="http://schemas.microsoft.com/office/powerpoint/2010/main" val="4161293832"/>
+      </p:ext>
+    </p:extLst>
+  </p:cSld>
+  <p:clrMapOvr>
+    <a:masterClrMapping/>
+  </p:clrMapOvr>
+  <p:timing>
+    <p:tnLst>
+      <p:par>
+        <p:cTn id="1" dur="indefinite" restart="never" nodeType="tmRoot"/>
+      </p:par>
+    </p:tnLst>
+  </p:timing>
+</p:sld>
+</file>
+
+<file path=ppt/slides/slide21.xml><?xml version="1.0" encoding="utf-8"?>
+<p:sld xmlns:a="http://schemas.openxmlformats.org/drawingml/2006/main" xmlns:r="http://schemas.openxmlformats.org/officeDocument/2006/relationships" xmlns:p="http://schemas.openxmlformats.org/presentationml/2006/main">
+  <p:cSld>
+    <p:spTree>
+      <p:nvGrpSpPr>
+        <p:cNvPr id="1" name=""/>
+        <p:cNvGrpSpPr/>
+        <p:nvPr/>
+      </p:nvGrpSpPr>
+      <p:grpSpPr>
+        <a:xfrm>
+          <a:off x="0" y="0"/>
+          <a:ext cx="0" cy="0"/>
+          <a:chOff x="0" y="0"/>
+          <a:chExt cx="0" cy="0"/>
+        </a:xfrm>
+      </p:grpSpPr>
+      <p:sp>
+        <p:nvSpPr>
+          <p:cNvPr id="2" name="Title 1"/>
+          <p:cNvSpPr>
+            <a:spLocks noGrp="1"/>
+          </p:cNvSpPr>
+          <p:nvPr>
+            <p:ph type="title"/>
+          </p:nvPr>
+        </p:nvSpPr>
+        <p:spPr/>
+        <p:txBody>
+          <a:bodyPr>
+            <a:normAutofit/>
+          </a:bodyPr>
+          <a:lstStyle/>
+          <a:p>
+            <a:r>
+              <a:rPr lang="en-US" dirty="0" smtClean="0"/>
+              <a:t>Task 3 – New Product Creation</a:t>
+            </a:r>
+            <a:endParaRPr lang="en-US" dirty="0"/>
+          </a:p>
+        </p:txBody>
+      </p:sp>
+      <p:sp>
+        <p:nvSpPr>
+          <p:cNvPr id="3" name="Content Placeholder 2"/>
+          <p:cNvSpPr>
+            <a:spLocks noGrp="1"/>
+          </p:cNvSpPr>
+          <p:nvPr>
+            <p:ph idx="1"/>
+          </p:nvPr>
+        </p:nvSpPr>
+        <p:spPr/>
+        <p:txBody>
+          <a:bodyPr>
+            <a:normAutofit/>
+          </a:bodyPr>
+          <a:lstStyle/>
+          <a:p>
+            <a:r>
+              <a:rPr lang="en-US" dirty="0" smtClean="0"/>
+              <a:t>Goal: Perform action to create new product and verify if it is saved successfully.</a:t>
+            </a:r>
+            <a:endParaRPr lang="en-US" dirty="0"/>
+          </a:p>
+        </p:txBody>
+      </p:sp>
+      <p:sp>
+        <p:nvSpPr>
+          <p:cNvPr id="6" name="Slide Number Placeholder 5"/>
+          <p:cNvSpPr>
+            <a:spLocks noGrp="1"/>
+          </p:cNvSpPr>
+          <p:nvPr>
+            <p:ph type="sldNum" sz="quarter" idx="12"/>
+          </p:nvPr>
+        </p:nvSpPr>
+        <p:spPr/>
+        <p:txBody>
+          <a:bodyPr/>
+          <a:lstStyle/>
+          <a:p>
+            <a:fld id="{B6F15528-21DE-4FAA-801E-634DDDAF4B2B}" type="slidenum">
+              <a:rPr lang="en-US" smtClean="0"/>
+              <a:pPr/>
+              <a:t>21</a:t>
+            </a:fld>
+            <a:endParaRPr lang="en-US" dirty="0"/>
+          </a:p>
+        </p:txBody>
+      </p:sp>
+    </p:spTree>
+    <p:extLst>
+      <p:ext uri="{BB962C8B-B14F-4D97-AF65-F5344CB8AC3E}">
+        <p14:creationId xmlns:p14="http://schemas.microsoft.com/office/powerpoint/2010/main" val="2515220393"/>
+      </p:ext>
+    </p:extLst>
+  </p:cSld>
+  <p:clrMapOvr>
+    <a:masterClrMapping/>
+  </p:clrMapOvr>
+  <p:timing>
+    <p:tnLst>
+      <p:par>
+        <p:cTn id="1" dur="indefinite" restart="never" nodeType="tmRoot"/>
+      </p:par>
+    </p:tnLst>
+  </p:timing>
+</p:sld>
+</file>
+
+<file path=ppt/slides/slide22.xml><?xml version="1.0" encoding="utf-8"?>
+<p:sld xmlns:a="http://schemas.openxmlformats.org/drawingml/2006/main" xmlns:r="http://schemas.openxmlformats.org/officeDocument/2006/relationships" xmlns:p="http://schemas.openxmlformats.org/presentationml/2006/main">
+  <p:cSld>
+    <p:spTree>
+      <p:nvGrpSpPr>
+        <p:cNvPr id="1" name=""/>
+        <p:cNvGrpSpPr/>
+        <p:nvPr/>
+      </p:nvGrpSpPr>
+      <p:grpSpPr>
+        <a:xfrm>
+          <a:off x="0" y="0"/>
+          <a:ext cx="0" cy="0"/>
+          <a:chOff x="0" y="0"/>
+          <a:chExt cx="0" cy="0"/>
+        </a:xfrm>
+      </p:grpSpPr>
+      <p:sp>
+        <p:nvSpPr>
+          <p:cNvPr id="2" name="Title 1"/>
+          <p:cNvSpPr>
+            <a:spLocks noGrp="1"/>
+          </p:cNvSpPr>
+          <p:nvPr>
+            <p:ph type="title"/>
+          </p:nvPr>
+        </p:nvSpPr>
+        <p:spPr/>
+        <p:txBody>
+          <a:bodyPr>
+            <a:normAutofit/>
+          </a:bodyPr>
+          <a:lstStyle/>
+          <a:p>
+            <a:r>
+              <a:rPr lang="en-US" dirty="0" smtClean="0"/>
+              <a:t>Task 4 – Show All Verification</a:t>
+            </a:r>
+            <a:endParaRPr lang="en-US" dirty="0"/>
+          </a:p>
+        </p:txBody>
+      </p:sp>
+      <p:sp>
+        <p:nvSpPr>
+          <p:cNvPr id="3" name="Content Placeholder 2"/>
+          <p:cNvSpPr>
+            <a:spLocks noGrp="1"/>
+          </p:cNvSpPr>
+          <p:nvPr>
+            <p:ph idx="1"/>
+          </p:nvPr>
+        </p:nvSpPr>
+        <p:spPr/>
+        <p:txBody>
+          <a:bodyPr>
+            <a:normAutofit/>
+          </a:bodyPr>
+          <a:lstStyle/>
+          <a:p>
+            <a:r>
+              <a:rPr lang="en-US" dirty="0" smtClean="0"/>
+              <a:t>Goal: Perform action to see all products and see if products are appearing.</a:t>
+            </a:r>
+            <a:endParaRPr lang="en-US" dirty="0"/>
+          </a:p>
+        </p:txBody>
+      </p:sp>
+      <p:sp>
+        <p:nvSpPr>
+          <p:cNvPr id="6" name="Slide Number Placeholder 5"/>
+          <p:cNvSpPr>
+            <a:spLocks noGrp="1"/>
+          </p:cNvSpPr>
+          <p:nvPr>
+            <p:ph type="sldNum" sz="quarter" idx="12"/>
+          </p:nvPr>
+        </p:nvSpPr>
+        <p:spPr/>
+        <p:txBody>
+          <a:bodyPr/>
+          <a:lstStyle/>
+          <a:p>
+            <a:fld id="{B6F15528-21DE-4FAA-801E-634DDDAF4B2B}" type="slidenum">
+              <a:rPr lang="en-US" smtClean="0"/>
+              <a:pPr/>
+              <a:t>22</a:t>
+            </a:fld>
+            <a:endParaRPr lang="en-US" dirty="0"/>
+          </a:p>
+        </p:txBody>
+      </p:sp>
+    </p:spTree>
+    <p:extLst>
+      <p:ext uri="{BB962C8B-B14F-4D97-AF65-F5344CB8AC3E}">
+        <p14:creationId xmlns:p14="http://schemas.microsoft.com/office/powerpoint/2010/main" val="1988809613"/>
+      </p:ext>
+    </p:extLst>
+  </p:cSld>
+  <p:clrMapOvr>
+    <a:masterClrMapping/>
+  </p:clrMapOvr>
+  <p:timing>
+    <p:tnLst>
+      <p:par>
+        <p:cTn id="1" dur="indefinite" restart="never" nodeType="tmRoot"/>
+      </p:par>
+    </p:tnLst>
+  </p:timing>
+</p:sld>
+</file>
+
+<file path=ppt/slides/slide23.xml><?xml version="1.0" encoding="utf-8"?>
+<p:sld xmlns:a="http://schemas.openxmlformats.org/drawingml/2006/main" xmlns:r="http://schemas.openxmlformats.org/officeDocument/2006/relationships" xmlns:p="http://schemas.openxmlformats.org/presentationml/2006/main">
+  <p:cSld>
+    <p:spTree>
+      <p:nvGrpSpPr>
+        <p:cNvPr id="1" name=""/>
+        <p:cNvGrpSpPr/>
+        <p:nvPr/>
+      </p:nvGrpSpPr>
+      <p:grpSpPr>
+        <a:xfrm>
+          <a:off x="0" y="0"/>
+          <a:ext cx="0" cy="0"/>
+          <a:chOff x="0" y="0"/>
+          <a:chExt cx="0" cy="0"/>
+        </a:xfrm>
+      </p:grpSpPr>
+      <p:sp>
+        <p:nvSpPr>
+          <p:cNvPr id="2" name="Title 1"/>
+          <p:cNvSpPr>
+            <a:spLocks noGrp="1"/>
+          </p:cNvSpPr>
+          <p:nvPr>
+            <p:ph type="title"/>
+          </p:nvPr>
+        </p:nvSpPr>
+        <p:spPr/>
+        <p:txBody>
+          <a:bodyPr>
+            <a:normAutofit/>
+          </a:bodyPr>
+          <a:lstStyle/>
+          <a:p>
+            <a:r>
+              <a:rPr lang="en-US" dirty="0" smtClean="0"/>
+              <a:t>Headless Browser</a:t>
+            </a:r>
+            <a:endParaRPr lang="en-US" dirty="0"/>
+          </a:p>
+        </p:txBody>
+      </p:sp>
+      <p:sp>
+        <p:nvSpPr>
+          <p:cNvPr id="3" name="Content Placeholder 2"/>
+          <p:cNvSpPr>
+            <a:spLocks noGrp="1"/>
+          </p:cNvSpPr>
+          <p:nvPr>
+            <p:ph idx="1"/>
+          </p:nvPr>
+        </p:nvSpPr>
+        <p:spPr/>
+        <p:txBody>
+          <a:bodyPr>
+            <a:normAutofit fontScale="85000" lnSpcReduction="20000"/>
+          </a:bodyPr>
+          <a:lstStyle/>
+          <a:p>
+            <a:r>
+              <a:rPr lang="en-US" dirty="0"/>
+              <a:t>A headless browser is a web browser without a graphical user interface</a:t>
+            </a:r>
+            <a:r>
+              <a:rPr lang="en-US" dirty="0" smtClean="0"/>
+              <a:t>.</a:t>
+            </a:r>
+          </a:p>
+          <a:p>
+            <a:r>
+              <a:rPr lang="en-US" dirty="0" smtClean="0"/>
+              <a:t>Examples:</a:t>
+            </a:r>
+          </a:p>
+          <a:p>
+            <a:pPr lvl="1"/>
+            <a:r>
+              <a:rPr lang="en-US" dirty="0" err="1"/>
+              <a:t>PhanthomJS</a:t>
+            </a:r>
+            <a:endParaRPr lang="en-US" dirty="0"/>
+          </a:p>
+          <a:p>
+            <a:pPr lvl="1"/>
+            <a:r>
+              <a:rPr lang="en-US" dirty="0" err="1"/>
+              <a:t>HtmlUnitDriver</a:t>
+            </a:r>
+            <a:endParaRPr lang="en-US" dirty="0"/>
+          </a:p>
+          <a:p>
+            <a:pPr lvl="1"/>
+            <a:r>
+              <a:rPr lang="en-US" dirty="0" err="1"/>
+              <a:t>ChromeDriver</a:t>
+            </a:r>
+            <a:r>
+              <a:rPr lang="en-US" dirty="0"/>
+              <a:t> with Headless </a:t>
+            </a:r>
+            <a:r>
+              <a:rPr lang="en-US" dirty="0" smtClean="0"/>
+              <a:t>Chrome</a:t>
+            </a:r>
+          </a:p>
+          <a:p>
+            <a:r>
+              <a:rPr lang="en-US" dirty="0"/>
+              <a:t>Chrome Headless</a:t>
+            </a:r>
+          </a:p>
+          <a:p>
+            <a:pPr lvl="1"/>
+            <a:r>
+              <a:rPr lang="en-US" dirty="0" smtClean="0"/>
+              <a:t>Running </a:t>
+            </a:r>
+            <a:r>
+              <a:rPr lang="en-US" dirty="0"/>
+              <a:t>Chrome without chrome</a:t>
+            </a:r>
+          </a:p>
+          <a:p>
+            <a:pPr lvl="1"/>
+            <a:r>
+              <a:rPr lang="en-US" dirty="0" smtClean="0"/>
+              <a:t>Chrome v60.0 &gt;</a:t>
+            </a:r>
+          </a:p>
+          <a:p>
+            <a:pPr lvl="1"/>
+            <a:r>
+              <a:rPr lang="en-US" dirty="0" err="1"/>
+              <a:t>ChromeOptions</a:t>
+            </a:r>
+            <a:r>
+              <a:rPr lang="en-US" dirty="0"/>
+              <a:t> option = new </a:t>
+            </a:r>
+            <a:r>
+              <a:rPr lang="en-US" dirty="0" err="1"/>
+              <a:t>ChromeOptions</a:t>
+            </a:r>
+            <a:r>
+              <a:rPr lang="en-US" dirty="0"/>
+              <a:t>();</a:t>
+            </a:r>
+          </a:p>
+          <a:p>
+            <a:pPr lvl="1"/>
+            <a:r>
+              <a:rPr lang="en-US" dirty="0" err="1"/>
+              <a:t>option.AddArgument</a:t>
+            </a:r>
+            <a:r>
+              <a:rPr lang="en-US" dirty="0"/>
+              <a:t>("--headless");</a:t>
+            </a:r>
+          </a:p>
+          <a:p>
+            <a:pPr lvl="1"/>
+            <a:r>
+              <a:rPr lang="en-US" dirty="0" err="1"/>
+              <a:t>var</a:t>
+            </a:r>
+            <a:r>
+              <a:rPr lang="en-US" dirty="0"/>
+              <a:t> driver = new </a:t>
+            </a:r>
+            <a:r>
+              <a:rPr lang="en-US" dirty="0" err="1"/>
+              <a:t>ChromeDriver</a:t>
+            </a:r>
+            <a:r>
+              <a:rPr lang="en-US" dirty="0"/>
+              <a:t>(option);</a:t>
+            </a:r>
+            <a:endParaRPr lang="en-US" dirty="0"/>
+          </a:p>
+        </p:txBody>
+      </p:sp>
+      <p:sp>
+        <p:nvSpPr>
+          <p:cNvPr id="6" name="Slide Number Placeholder 5"/>
+          <p:cNvSpPr>
+            <a:spLocks noGrp="1"/>
+          </p:cNvSpPr>
+          <p:nvPr>
+            <p:ph type="sldNum" sz="quarter" idx="12"/>
+          </p:nvPr>
+        </p:nvSpPr>
+        <p:spPr/>
+        <p:txBody>
+          <a:bodyPr/>
+          <a:lstStyle/>
+          <a:p>
+            <a:fld id="{B6F15528-21DE-4FAA-801E-634DDDAF4B2B}" type="slidenum">
+              <a:rPr lang="en-US" smtClean="0"/>
+              <a:pPr/>
+              <a:t>23</a:t>
+            </a:fld>
+            <a:endParaRPr lang="en-US" dirty="0"/>
+          </a:p>
+        </p:txBody>
+      </p:sp>
+    </p:spTree>
+    <p:extLst>
+      <p:ext uri="{BB962C8B-B14F-4D97-AF65-F5344CB8AC3E}">
+        <p14:creationId xmlns:p14="http://schemas.microsoft.com/office/powerpoint/2010/main" val="1015599641"/>
+      </p:ext>
+    </p:extLst>
+  </p:cSld>
+  <p:clrMapOvr>
+    <a:masterClrMapping/>
+  </p:clrMapOvr>
+  <p:timing>
+    <p:tnLst>
+      <p:par>
+        <p:cTn id="1" dur="indefinite" restart="never" nodeType="tmRoot">
+          <p:childTnLst>
+            <p:seq concurrent="1" nextAc="seek">
+              <p:cTn id="2" dur="indefinite" nodeType="mainSeq">
+                <p:childTnLst>
+                  <p:par>
+                    <p:cTn id="3" fill="hold">
+                      <p:stCondLst>
+                        <p:cond delay="indefinite"/>
+                      </p:stCondLst>
+                      <p:childTnLst>
+                        <p:par>
+                          <p:cTn id="4" fill="hold">
+                            <p:stCondLst>
+                              <p:cond delay="0"/>
+                            </p:stCondLst>
+                            <p:childTnLst>
+                              <p:par>
+                                <p:cTn id="5" presetID="1" presetClass="entr" presetSubtype="0" fill="hold" nodeType="clickEffect">
+                                  <p:stCondLst>
+                                    <p:cond delay="0"/>
+                                  </p:stCondLst>
+                                  <p:childTnLst>
+                                    <p:set>
+                                      <p:cBhvr>
+                                        <p:cTn id="6" dur="1" fill="hold">
+                                          <p:stCondLst>
+                                            <p:cond delay="0"/>
+                                          </p:stCondLst>
+                                        </p:cTn>
+                                        <p:tgtEl>
+                                          <p:spTgt spid="3">
+                                            <p:txEl>
+                                              <p:pRg st="0" end="0"/>
+                                            </p:txEl>
+                                          </p:spTgt>
+                                        </p:tgtEl>
+                                        <p:attrNameLst>
+                                          <p:attrName>style.visibility</p:attrName>
+                                        </p:attrNameLst>
+                                      </p:cBhvr>
+                                      <p:to>
+                                        <p:strVal val="visible"/>
+                                      </p:to>
+                                    </p:set>
+                                  </p:childTnLst>
+                                </p:cTn>
+                              </p:par>
+                            </p:childTnLst>
+                          </p:cTn>
+                        </p:par>
+                      </p:childTnLst>
+                    </p:cTn>
+                  </p:par>
+                  <p:par>
+                    <p:cTn id="7" fill="hold">
+                      <p:stCondLst>
+                        <p:cond delay="indefinite"/>
+                      </p:stCondLst>
+                      <p:childTnLst>
+                        <p:par>
+                          <p:cTn id="8" fill="hold">
+                            <p:stCondLst>
+                              <p:cond delay="0"/>
+                            </p:stCondLst>
+                            <p:childTnLst>
+                              <p:par>
+                                <p:cTn id="9" presetID="1" presetClass="entr" presetSubtype="0" fill="hold" nodeType="clickEffect">
+                                  <p:stCondLst>
+                                    <p:cond delay="0"/>
+                                  </p:stCondLst>
+                                  <p:childTnLst>
+                                    <p:set>
+                                      <p:cBhvr>
+                                        <p:cTn id="10" dur="1" fill="hold">
+                                          <p:stCondLst>
+                                            <p:cond delay="0"/>
+                                          </p:stCondLst>
+                                        </p:cTn>
+                                        <p:tgtEl>
+                                          <p:spTgt spid="3">
+                                            <p:txEl>
+                                              <p:pRg st="1" end="1"/>
+                                            </p:txEl>
+                                          </p:spTgt>
+                                        </p:tgtEl>
+                                        <p:attrNameLst>
+                                          <p:attrName>style.visibility</p:attrName>
+                                        </p:attrNameLst>
+                                      </p:cBhvr>
+                                      <p:to>
+                                        <p:strVal val="visible"/>
+                                      </p:to>
+                                    </p:set>
+                                  </p:childTnLst>
+                                </p:cTn>
+                              </p:par>
+                              <p:par>
+                                <p:cTn id="11" presetID="1" presetClass="entr" presetSubtype="0" fill="hold" nodeType="withEffect">
+                                  <p:stCondLst>
+                                    <p:cond delay="0"/>
+                                  </p:stCondLst>
+                                  <p:childTnLst>
+                                    <p:set>
+                                      <p:cBhvr>
+                                        <p:cTn id="12" dur="1" fill="hold">
+                                          <p:stCondLst>
+                                            <p:cond delay="0"/>
+                                          </p:stCondLst>
+                                        </p:cTn>
+                                        <p:tgtEl>
+                                          <p:spTgt spid="3">
+                                            <p:txEl>
+                                              <p:pRg st="2" end="2"/>
+                                            </p:txEl>
+                                          </p:spTgt>
+                                        </p:tgtEl>
+                                        <p:attrNameLst>
+                                          <p:attrName>style.visibility</p:attrName>
+                                        </p:attrNameLst>
+                                      </p:cBhvr>
+                                      <p:to>
+                                        <p:strVal val="visible"/>
+                                      </p:to>
+                                    </p:set>
+                                  </p:childTnLst>
+                                </p:cTn>
+                              </p:par>
+                              <p:par>
+                                <p:cTn id="13" presetID="1" presetClass="entr" presetSubtype="0" fill="hold" nodeType="withEffect">
+                                  <p:stCondLst>
+                                    <p:cond delay="0"/>
+                                  </p:stCondLst>
+                                  <p:childTnLst>
+                                    <p:set>
+                                      <p:cBhvr>
+                                        <p:cTn id="14" dur="1" fill="hold">
+                                          <p:stCondLst>
+                                            <p:cond delay="0"/>
+                                          </p:stCondLst>
+                                        </p:cTn>
+                                        <p:tgtEl>
+                                          <p:spTgt spid="3">
+                                            <p:txEl>
+                                              <p:pRg st="3" end="3"/>
+                                            </p:txEl>
+                                          </p:spTgt>
+                                        </p:tgtEl>
+                                        <p:attrNameLst>
+                                          <p:attrName>style.visibility</p:attrName>
+                                        </p:attrNameLst>
+                                      </p:cBhvr>
+                                      <p:to>
+                                        <p:strVal val="visible"/>
+                                      </p:to>
+                                    </p:set>
+                                  </p:childTnLst>
+                                </p:cTn>
+                              </p:par>
+                              <p:par>
+                                <p:cTn id="15" presetID="1" presetClass="entr" presetSubtype="0" fill="hold" nodeType="withEffect">
+                                  <p:stCondLst>
+                                    <p:cond delay="0"/>
+                                  </p:stCondLst>
+                                  <p:childTnLst>
+                                    <p:set>
+                                      <p:cBhvr>
+                                        <p:cTn id="16" dur="1" fill="hold">
+                                          <p:stCondLst>
+                                            <p:cond delay="0"/>
+                                          </p:stCondLst>
+                                        </p:cTn>
+                                        <p:tgtEl>
+                                          <p:spTgt spid="3">
+                                            <p:txEl>
+                                              <p:pRg st="4" end="4"/>
+                                            </p:txEl>
+                                          </p:spTgt>
+                                        </p:tgtEl>
+                                        <p:attrNameLst>
+                                          <p:attrName>style.visibility</p:attrName>
+                                        </p:attrNameLst>
+                                      </p:cBhvr>
+                                      <p:to>
+                                        <p:strVal val="visible"/>
+                                      </p:to>
+                                    </p:set>
+                                  </p:childTnLst>
+                                </p:cTn>
+                              </p:par>
+                            </p:childTnLst>
+                          </p:cTn>
+                        </p:par>
+                      </p:childTnLst>
+                    </p:cTn>
+                  </p:par>
+                  <p:par>
+                    <p:cTn id="17" fill="hold">
+                      <p:stCondLst>
+                        <p:cond delay="indefinite"/>
+                      </p:stCondLst>
+                      <p:childTnLst>
+                        <p:par>
+                          <p:cTn id="18" fill="hold">
+                            <p:stCondLst>
+                              <p:cond delay="0"/>
+                            </p:stCondLst>
+                            <p:childTnLst>
+                              <p:par>
+                                <p:cTn id="19" presetID="1" presetClass="entr" presetSubtype="0" fill="hold" nodeType="clickEffect">
+                                  <p:stCondLst>
+                                    <p:cond delay="0"/>
+                                  </p:stCondLst>
+                                  <p:childTnLst>
+                                    <p:set>
+                                      <p:cBhvr>
+                                        <p:cTn id="20" dur="1" fill="hold">
+                                          <p:stCondLst>
+                                            <p:cond delay="0"/>
+                                          </p:stCondLst>
+                                        </p:cTn>
+                                        <p:tgtEl>
+                                          <p:spTgt spid="3">
+                                            <p:txEl>
+                                              <p:pRg st="6" end="6"/>
+                                            </p:txEl>
+                                          </p:spTgt>
+                                        </p:tgtEl>
+                                        <p:attrNameLst>
+                                          <p:attrName>style.visibility</p:attrName>
+                                        </p:attrNameLst>
+                                      </p:cBhvr>
+                                      <p:to>
+                                        <p:strVal val="visible"/>
+                                      </p:to>
+                                    </p:set>
+                                  </p:childTnLst>
+                                </p:cTn>
+                              </p:par>
+                            </p:childTnLst>
+                          </p:cTn>
+                        </p:par>
+                      </p:childTnLst>
+                    </p:cTn>
+                  </p:par>
+                  <p:par>
+                    <p:cTn id="21" fill="hold">
+                      <p:stCondLst>
+                        <p:cond delay="indefinite"/>
+                      </p:stCondLst>
+                      <p:childTnLst>
+                        <p:par>
+                          <p:cTn id="22" fill="hold">
+                            <p:stCondLst>
+                              <p:cond delay="0"/>
+                            </p:stCondLst>
+                            <p:childTnLst>
+                              <p:par>
+                                <p:cTn id="23" presetID="1" presetClass="entr" presetSubtype="0" fill="hold" nodeType="clickEffect">
+                                  <p:stCondLst>
+                                    <p:cond delay="0"/>
+                                  </p:stCondLst>
+                                  <p:childTnLst>
+                                    <p:set>
+                                      <p:cBhvr>
+                                        <p:cTn id="24" dur="1" fill="hold">
+                                          <p:stCondLst>
+                                            <p:cond delay="0"/>
+                                          </p:stCondLst>
+                                        </p:cTn>
+                                        <p:tgtEl>
+                                          <p:spTgt spid="3">
+                                            <p:txEl>
+                                              <p:pRg st="7" end="7"/>
+                                            </p:txEl>
+                                          </p:spTgt>
+                                        </p:tgtEl>
+                                        <p:attrNameLst>
+                                          <p:attrName>style.visibility</p:attrName>
+                                        </p:attrNameLst>
+                                      </p:cBhvr>
+                                      <p:to>
+                                        <p:strVal val="visible"/>
+                                      </p:to>
+                                    </p:set>
+                                  </p:childTnLst>
+                                </p:cTn>
+                              </p:par>
+                            </p:childTnLst>
+                          </p:cTn>
+                        </p:par>
+                      </p:childTnLst>
+                    </p:cTn>
+                  </p:par>
+                  <p:par>
+                    <p:cTn id="25" fill="hold">
+                      <p:stCondLst>
+                        <p:cond delay="indefinite"/>
+                      </p:stCondLst>
+                      <p:childTnLst>
+                        <p:par>
+                          <p:cTn id="26" fill="hold">
+                            <p:stCondLst>
+                              <p:cond delay="0"/>
+                            </p:stCondLst>
+                            <p:childTnLst>
+                              <p:par>
+                                <p:cTn id="27" presetID="1" presetClass="entr" presetSubtype="0" fill="hold" nodeType="clickEffect">
+                                  <p:stCondLst>
+                                    <p:cond delay="0"/>
+                                  </p:stCondLst>
+                                  <p:childTnLst>
+                                    <p:set>
+                                      <p:cBhvr>
+                                        <p:cTn id="28" dur="1" fill="hold">
+                                          <p:stCondLst>
+                                            <p:cond delay="0"/>
+                                          </p:stCondLst>
+                                        </p:cTn>
+                                        <p:tgtEl>
+                                          <p:spTgt spid="3">
+                                            <p:txEl>
+                                              <p:pRg st="8" end="8"/>
+                                            </p:txEl>
+                                          </p:spTgt>
+                                        </p:tgtEl>
+                                        <p:attrNameLst>
+                                          <p:attrName>style.visibility</p:attrName>
+                                        </p:attrNameLst>
+                                      </p:cBhvr>
+                                      <p:to>
+                                        <p:strVal val="visible"/>
+                                      </p:to>
+                                    </p:set>
+                                  </p:childTnLst>
+                                </p:cTn>
+                              </p:par>
+                              <p:par>
+                                <p:cTn id="29" presetID="1" presetClass="entr" presetSubtype="0" fill="hold" nodeType="withEffect">
+                                  <p:stCondLst>
+                                    <p:cond delay="0"/>
+                                  </p:stCondLst>
+                                  <p:childTnLst>
+                                    <p:set>
+                                      <p:cBhvr>
+                                        <p:cTn id="30" dur="1" fill="hold">
+                                          <p:stCondLst>
+                                            <p:cond delay="0"/>
+                                          </p:stCondLst>
+                                        </p:cTn>
+                                        <p:tgtEl>
+                                          <p:spTgt spid="3">
+                                            <p:txEl>
+                                              <p:pRg st="9" end="9"/>
+                                            </p:txEl>
+                                          </p:spTgt>
+                                        </p:tgtEl>
+                                        <p:attrNameLst>
+                                          <p:attrName>style.visibility</p:attrName>
+                                        </p:attrNameLst>
+                                      </p:cBhvr>
+                                      <p:to>
+                                        <p:strVal val="visible"/>
+                                      </p:to>
+                                    </p:set>
+                                  </p:childTnLst>
+                                </p:cTn>
+                              </p:par>
+                              <p:par>
+                                <p:cTn id="31" presetID="1" presetClass="entr" presetSubtype="0" fill="hold" nodeType="withEffect">
+                                  <p:stCondLst>
+                                    <p:cond delay="0"/>
+                                  </p:stCondLst>
+                                  <p:childTnLst>
+                                    <p:set>
+                                      <p:cBhvr>
+                                        <p:cTn id="32" dur="1" fill="hold">
+                                          <p:stCondLst>
+                                            <p:cond delay="0"/>
+                                          </p:stCondLst>
+                                        </p:cTn>
+                                        <p:tgtEl>
+                                          <p:spTgt spid="3">
+                                            <p:txEl>
+                                              <p:pRg st="10" end="10"/>
+                                            </p:txEl>
+                                          </p:spTgt>
+                                        </p:tgtEl>
+                                        <p:attrNameLst>
+                                          <p:attrName>style.visibility</p:attrName>
+                                        </p:attrNameLst>
+                                      </p:cBhvr>
+                                      <p:to>
+                                        <p:strVal val="visible"/>
+                                      </p:to>
+                                    </p:set>
+                                  </p:childTnLst>
+                                </p:cTn>
+                              </p:par>
+                            </p:childTnLst>
+                          </p:cTn>
+                        </p:par>
+                      </p:childTnLst>
+                    </p:cTn>
+                  </p:par>
+                </p:childTnLst>
+              </p:cTn>
+              <p:prevCondLst>
+                <p:cond evt="onPrev" delay="0">
+                  <p:tgtEl>
+                    <p:sldTgt/>
+                  </p:tgtEl>
+                </p:cond>
+              </p:prevCondLst>
+              <p:nextCondLst>
+                <p:cond evt="onNext" delay="0">
+                  <p:tgtEl>
+                    <p:sldTgt/>
+                  </p:tgtEl>
+                </p:cond>
+              </p:nextCondLst>
+            </p:seq>
+          </p:childTnLst>
+        </p:cTn>
+      </p:par>
+    </p:tnLst>
+  </p:timing>
+</p:sld>
+</file>
+
+<file path=ppt/slides/slide24.xml><?xml version="1.0" encoding="utf-8"?>
+<p:sld xmlns:a="http://schemas.openxmlformats.org/drawingml/2006/main" xmlns:r="http://schemas.openxmlformats.org/officeDocument/2006/relationships" xmlns:p="http://schemas.openxmlformats.org/presentationml/2006/main">
+  <p:cSld>
+    <p:spTree>
+      <p:nvGrpSpPr>
+        <p:cNvPr id="1" name=""/>
+        <p:cNvGrpSpPr/>
+        <p:nvPr/>
+      </p:nvGrpSpPr>
+      <p:grpSpPr>
+        <a:xfrm>
+          <a:off x="0" y="0"/>
+          <a:ext cx="0" cy="0"/>
+          <a:chOff x="0" y="0"/>
+          <a:chExt cx="0" cy="0"/>
+        </a:xfrm>
+      </p:grpSpPr>
+      <p:sp>
+        <p:nvSpPr>
+          <p:cNvPr id="2" name="Title 1"/>
+          <p:cNvSpPr>
+            <a:spLocks noGrp="1"/>
+          </p:cNvSpPr>
+          <p:nvPr>
+            <p:ph type="title"/>
+          </p:nvPr>
+        </p:nvSpPr>
+        <p:spPr/>
+        <p:txBody>
+          <a:bodyPr>
+            <a:normAutofit/>
+          </a:bodyPr>
+          <a:lstStyle/>
+          <a:p>
+            <a:r>
+              <a:rPr lang="en-US" dirty="0" smtClean="0"/>
+              <a:t>Task 5 – Selenium with </a:t>
+            </a:r>
+            <a:r>
+              <a:rPr lang="en-US" dirty="0" err="1" smtClean="0"/>
+              <a:t>NUnit</a:t>
+            </a:r>
+            <a:endParaRPr lang="en-US" dirty="0"/>
+          </a:p>
+        </p:txBody>
+      </p:sp>
+      <p:sp>
+        <p:nvSpPr>
+          <p:cNvPr id="3" name="Content Placeholder 2"/>
+          <p:cNvSpPr>
+            <a:spLocks noGrp="1"/>
+          </p:cNvSpPr>
+          <p:nvPr>
+            <p:ph idx="1"/>
+          </p:nvPr>
+        </p:nvSpPr>
+        <p:spPr/>
+        <p:txBody>
+          <a:bodyPr>
+            <a:normAutofit fontScale="85000" lnSpcReduction="10000"/>
+          </a:bodyPr>
+          <a:lstStyle/>
+          <a:p>
+            <a:r>
+              <a:rPr lang="en-US" dirty="0" smtClean="0"/>
+              <a:t>Create </a:t>
+            </a:r>
+            <a:r>
+              <a:rPr lang="en-US" dirty="0"/>
+              <a:t>New Class Library Project</a:t>
+            </a:r>
+          </a:p>
+          <a:p>
+            <a:r>
+              <a:rPr lang="en-US" dirty="0" smtClean="0"/>
+              <a:t>Add </a:t>
+            </a:r>
+            <a:r>
+              <a:rPr lang="en-US" dirty="0" err="1"/>
+              <a:t>NUnit</a:t>
+            </a:r>
+            <a:r>
+              <a:rPr lang="en-US" dirty="0"/>
+              <a:t> Package</a:t>
+            </a:r>
+          </a:p>
+          <a:p>
+            <a:pPr lvl="1"/>
+            <a:r>
+              <a:rPr lang="en-US" dirty="0" smtClean="0"/>
+              <a:t>Install-Package </a:t>
+            </a:r>
+            <a:r>
+              <a:rPr lang="en-US" dirty="0" err="1"/>
+              <a:t>NUnit</a:t>
+            </a:r>
+            <a:r>
+              <a:rPr lang="en-US" dirty="0"/>
+              <a:t> -Version 3.11.0</a:t>
+            </a:r>
+          </a:p>
+          <a:p>
+            <a:r>
+              <a:rPr lang="en-US" dirty="0" smtClean="0"/>
+              <a:t>Install </a:t>
+            </a:r>
+            <a:r>
+              <a:rPr lang="en-US" dirty="0"/>
+              <a:t>“</a:t>
+            </a:r>
+            <a:r>
+              <a:rPr lang="en-US" dirty="0" err="1"/>
+              <a:t>NUnit</a:t>
+            </a:r>
+            <a:r>
+              <a:rPr lang="en-US" dirty="0"/>
+              <a:t> Test Adapter 3” Extension (If it is missing)</a:t>
+            </a:r>
+          </a:p>
+          <a:p>
+            <a:pPr lvl="1"/>
+            <a:r>
+              <a:rPr lang="en-US" dirty="0"/>
+              <a:t>Go to Tools -&gt; Extensions &amp; Updates -&gt; Click “Online” and search for “</a:t>
+            </a:r>
+            <a:r>
+              <a:rPr lang="en-US" dirty="0" err="1"/>
+              <a:t>Nunit</a:t>
+            </a:r>
+            <a:r>
+              <a:rPr lang="en-US" dirty="0"/>
+              <a:t>”</a:t>
+            </a:r>
+          </a:p>
+          <a:p>
+            <a:r>
+              <a:rPr lang="en-US" dirty="0" smtClean="0"/>
+              <a:t>Install-Package </a:t>
+            </a:r>
+            <a:r>
+              <a:rPr lang="en-US" dirty="0" err="1"/>
+              <a:t>Selenium.Support</a:t>
+            </a:r>
+            <a:r>
+              <a:rPr lang="en-US" dirty="0"/>
+              <a:t> -Version 3.141.0</a:t>
+            </a:r>
+          </a:p>
+          <a:p>
+            <a:r>
+              <a:rPr lang="en-US" dirty="0" smtClean="0"/>
+              <a:t>Install-Package </a:t>
+            </a:r>
+            <a:r>
+              <a:rPr lang="en-US" dirty="0" err="1"/>
+              <a:t>Selenium.Chrome.WebDriver</a:t>
+            </a:r>
+            <a:r>
+              <a:rPr lang="en-US" dirty="0"/>
+              <a:t> -Version </a:t>
+            </a:r>
+            <a:r>
+              <a:rPr lang="en-US" dirty="0" smtClean="0"/>
+              <a:t>2.45.0</a:t>
+            </a:r>
+          </a:p>
+          <a:p>
+            <a:r>
+              <a:rPr lang="en-US" dirty="0" smtClean="0"/>
+              <a:t>[</a:t>
+            </a:r>
+            <a:r>
+              <a:rPr lang="en-US" dirty="0" err="1" smtClean="0"/>
+              <a:t>TestFixture</a:t>
+            </a:r>
+            <a:r>
+              <a:rPr lang="en-US" dirty="0" smtClean="0"/>
+              <a:t>], [Test], [Setup], [</a:t>
+            </a:r>
+            <a:r>
+              <a:rPr lang="en-US" dirty="0" err="1" smtClean="0"/>
+              <a:t>TearDown</a:t>
+            </a:r>
+            <a:r>
+              <a:rPr lang="en-US" dirty="0" smtClean="0"/>
+              <a:t>]</a:t>
+            </a:r>
+            <a:endParaRPr lang="en-US" dirty="0"/>
+          </a:p>
+        </p:txBody>
+      </p:sp>
+      <p:sp>
+        <p:nvSpPr>
+          <p:cNvPr id="6" name="Slide Number Placeholder 5"/>
+          <p:cNvSpPr>
+            <a:spLocks noGrp="1"/>
+          </p:cNvSpPr>
+          <p:nvPr>
+            <p:ph type="sldNum" sz="quarter" idx="12"/>
+          </p:nvPr>
+        </p:nvSpPr>
+        <p:spPr/>
+        <p:txBody>
+          <a:bodyPr/>
+          <a:lstStyle/>
+          <a:p>
+            <a:fld id="{B6F15528-21DE-4FAA-801E-634DDDAF4B2B}" type="slidenum">
+              <a:rPr lang="en-US" smtClean="0"/>
+              <a:pPr/>
+              <a:t>24</a:t>
+            </a:fld>
+            <a:endParaRPr lang="en-US" dirty="0"/>
+          </a:p>
+        </p:txBody>
+      </p:sp>
+    </p:spTree>
+    <p:extLst>
+      <p:ext uri="{BB962C8B-B14F-4D97-AF65-F5344CB8AC3E}">
+        <p14:creationId xmlns:p14="http://schemas.microsoft.com/office/powerpoint/2010/main" val="2929823763"/>
+      </p:ext>
+    </p:extLst>
+  </p:cSld>
+  <p:clrMapOvr>
+    <a:masterClrMapping/>
+  </p:clrMapOvr>
+  <p:timing>
+    <p:tnLst>
+      <p:par>
+        <p:cTn id="1" dur="indefinite" restart="never" nodeType="tmRoot"/>
+      </p:par>
+    </p:tnLst>
+  </p:timing>
+</p:sld>
+</file>
+
+<file path=ppt/slides/slide25.xml><?xml version="1.0" encoding="utf-8"?>
+<p:sld xmlns:a="http://schemas.openxmlformats.org/drawingml/2006/main" xmlns:r="http://schemas.openxmlformats.org/officeDocument/2006/relationships" xmlns:p="http://schemas.openxmlformats.org/presentationml/2006/main">
+  <p:cSld>
+    <p:spTree>
+      <p:nvGrpSpPr>
+        <p:cNvPr id="1" name=""/>
+        <p:cNvGrpSpPr/>
+        <p:nvPr/>
+      </p:nvGrpSpPr>
+      <p:grpSpPr>
+        <a:xfrm>
+          <a:off x="0" y="0"/>
+          <a:ext cx="0" cy="0"/>
+          <a:chOff x="0" y="0"/>
+          <a:chExt cx="0" cy="0"/>
+        </a:xfrm>
+      </p:grpSpPr>
+      <p:sp>
+        <p:nvSpPr>
+          <p:cNvPr id="2" name="Title 1"/>
+          <p:cNvSpPr>
+            <a:spLocks noGrp="1"/>
+          </p:cNvSpPr>
+          <p:nvPr>
+            <p:ph type="title"/>
+          </p:nvPr>
+        </p:nvSpPr>
+        <p:spPr/>
+        <p:txBody>
+          <a:bodyPr>
+            <a:normAutofit fontScale="90000"/>
+          </a:bodyPr>
+          <a:lstStyle/>
+          <a:p>
+            <a:r>
+              <a:rPr lang="en-US" dirty="0" smtClean="0"/>
+              <a:t>Introduction to </a:t>
+            </a:r>
+            <a:r>
+              <a:rPr lang="en-US" dirty="0" err="1" smtClean="0"/>
+              <a:t>XPath</a:t>
+            </a:r>
+            <a:r>
+              <a:rPr lang="en-US" dirty="0" smtClean="0"/>
+              <a:t> (XML Path)</a:t>
+            </a:r>
+            <a:endParaRPr lang="en-US" dirty="0"/>
+          </a:p>
+        </p:txBody>
+      </p:sp>
+      <p:sp>
+        <p:nvSpPr>
+          <p:cNvPr id="3" name="Content Placeholder 2"/>
+          <p:cNvSpPr>
+            <a:spLocks noGrp="1"/>
+          </p:cNvSpPr>
+          <p:nvPr>
+            <p:ph idx="1"/>
+          </p:nvPr>
+        </p:nvSpPr>
+        <p:spPr/>
+        <p:txBody>
+          <a:bodyPr>
+            <a:normAutofit/>
+          </a:bodyPr>
+          <a:lstStyle/>
+          <a:p>
+            <a:r>
+              <a:rPr lang="en-US" dirty="0" err="1"/>
+              <a:t>XPath</a:t>
+            </a:r>
+            <a:r>
+              <a:rPr lang="en-US" dirty="0"/>
+              <a:t> is a query language for selecting nodes from an XML document.</a:t>
+            </a:r>
+          </a:p>
+          <a:p>
+            <a:r>
+              <a:rPr lang="en-US" dirty="0" smtClean="0"/>
+              <a:t>Find Input element where name is “</a:t>
+            </a:r>
+            <a:r>
+              <a:rPr lang="en-US" dirty="0" err="1" smtClean="0"/>
+              <a:t>rlz</a:t>
+            </a:r>
+            <a:r>
+              <a:rPr lang="en-US" dirty="0" smtClean="0"/>
+              <a:t>”</a:t>
+            </a:r>
+          </a:p>
+          <a:p>
+            <a:pPr lvl="1"/>
+            <a:r>
+              <a:rPr lang="en-US" dirty="0"/>
+              <a:t>//input[@name="</a:t>
+            </a:r>
+            <a:r>
+              <a:rPr lang="en-US" dirty="0" err="1"/>
+              <a:t>rlz</a:t>
+            </a:r>
+            <a:r>
+              <a:rPr lang="en-US" dirty="0" smtClean="0"/>
+              <a:t>"]</a:t>
+            </a:r>
+          </a:p>
+          <a:p>
+            <a:r>
+              <a:rPr lang="en-US" dirty="0"/>
+              <a:t>Find Input element </a:t>
+            </a:r>
+            <a:r>
+              <a:rPr lang="en-US" dirty="0" smtClean="0"/>
+              <a:t>which has name attribute</a:t>
+            </a:r>
+          </a:p>
+          <a:p>
+            <a:pPr lvl="1"/>
+            <a:r>
+              <a:rPr lang="en-US" dirty="0"/>
+              <a:t>//input[@</a:t>
+            </a:r>
+            <a:r>
+              <a:rPr lang="en-US" dirty="0" smtClean="0"/>
+              <a:t>name]</a:t>
+            </a:r>
+          </a:p>
+          <a:p>
+            <a:endParaRPr lang="en-US" dirty="0" smtClean="0"/>
+          </a:p>
+          <a:p>
+            <a:endParaRPr lang="en-US" dirty="0"/>
+          </a:p>
+        </p:txBody>
+      </p:sp>
+      <p:sp>
+        <p:nvSpPr>
+          <p:cNvPr id="6" name="Slide Number Placeholder 5"/>
+          <p:cNvSpPr>
+            <a:spLocks noGrp="1"/>
+          </p:cNvSpPr>
+          <p:nvPr>
+            <p:ph type="sldNum" sz="quarter" idx="12"/>
+          </p:nvPr>
+        </p:nvSpPr>
+        <p:spPr/>
+        <p:txBody>
+          <a:bodyPr/>
+          <a:lstStyle/>
+          <a:p>
+            <a:fld id="{B6F15528-21DE-4FAA-801E-634DDDAF4B2B}" type="slidenum">
+              <a:rPr lang="en-US" smtClean="0"/>
+              <a:pPr/>
+              <a:t>25</a:t>
+            </a:fld>
+            <a:endParaRPr lang="en-US" dirty="0"/>
+          </a:p>
+        </p:txBody>
+      </p:sp>
+    </p:spTree>
+    <p:extLst>
+      <p:ext uri="{BB962C8B-B14F-4D97-AF65-F5344CB8AC3E}">
+        <p14:creationId xmlns:p14="http://schemas.microsoft.com/office/powerpoint/2010/main" val="2721021255"/>
+      </p:ext>
+    </p:extLst>
+  </p:cSld>
+  <p:clrMapOvr>
+    <a:masterClrMapping/>
+  </p:clrMapOvr>
+  <p:timing>
+    <p:tnLst>
+      <p:par>
+        <p:cTn id="1" dur="indefinite" restart="never" nodeType="tmRoot"/>
+      </p:par>
+    </p:tnLst>
+  </p:timing>
+</p:sld>
+</file>
+
+<file path=ppt/slides/slide26.xml><?xml version="1.0" encoding="utf-8"?>
+<p:sld xmlns:a="http://schemas.openxmlformats.org/drawingml/2006/main" xmlns:r="http://schemas.openxmlformats.org/officeDocument/2006/relationships" xmlns:p="http://schemas.openxmlformats.org/presentationml/2006/main">
+  <p:cSld>
+    <p:spTree>
+      <p:nvGrpSpPr>
+        <p:cNvPr id="1" name=""/>
+        <p:cNvGrpSpPr/>
+        <p:nvPr/>
+      </p:nvGrpSpPr>
+      <p:grpSpPr>
+        <a:xfrm>
+          <a:off x="0" y="0"/>
+          <a:ext cx="0" cy="0"/>
+          <a:chOff x="0" y="0"/>
+          <a:chExt cx="0" cy="0"/>
+        </a:xfrm>
+      </p:grpSpPr>
+      <p:sp>
+        <p:nvSpPr>
+          <p:cNvPr id="2" name="Title 1"/>
+          <p:cNvSpPr>
+            <a:spLocks noGrp="1"/>
+          </p:cNvSpPr>
+          <p:nvPr>
+            <p:ph type="title"/>
+          </p:nvPr>
+        </p:nvSpPr>
+        <p:spPr/>
+        <p:txBody>
+          <a:bodyPr>
+            <a:normAutofit/>
+          </a:bodyPr>
+          <a:lstStyle/>
+          <a:p>
+            <a:r>
+              <a:rPr lang="en-US" dirty="0" smtClean="0"/>
+              <a:t>Selenium IDE</a:t>
+            </a:r>
+            <a:endParaRPr lang="en-US" dirty="0"/>
+          </a:p>
+        </p:txBody>
+      </p:sp>
+      <p:sp>
+        <p:nvSpPr>
+          <p:cNvPr id="3" name="Content Placeholder 2"/>
+          <p:cNvSpPr>
+            <a:spLocks noGrp="1"/>
+          </p:cNvSpPr>
+          <p:nvPr>
+            <p:ph idx="1"/>
+          </p:nvPr>
+        </p:nvSpPr>
+        <p:spPr/>
+        <p:txBody>
+          <a:bodyPr>
+            <a:normAutofit/>
+          </a:bodyPr>
+          <a:lstStyle/>
+          <a:p>
+            <a:r>
+              <a:rPr lang="en-US" dirty="0">
+                <a:hlinkClick r:id="rId3"/>
+              </a:rPr>
+              <a:t>https://www.seleniumhq.org/selenium-ide/</a:t>
+            </a:r>
+            <a:endParaRPr lang="en-US" dirty="0" smtClean="0"/>
+          </a:p>
+          <a:p>
+            <a:r>
+              <a:rPr lang="en-US" dirty="0" smtClean="0"/>
+              <a:t>Open </a:t>
+            </a:r>
+            <a:r>
+              <a:rPr lang="en-US" dirty="0"/>
+              <a:t>source record and playback test automation for the </a:t>
+            </a:r>
+            <a:r>
+              <a:rPr lang="en-US" dirty="0" smtClean="0"/>
+              <a:t>web</a:t>
+            </a:r>
+          </a:p>
+          <a:p>
+            <a:r>
+              <a:rPr lang="en-US" dirty="0" smtClean="0"/>
+              <a:t>Available as Chrome Extension &amp; Firefox Plugin</a:t>
+            </a:r>
+          </a:p>
+          <a:p>
+            <a:r>
+              <a:rPr lang="en-US" dirty="0" smtClean="0"/>
+              <a:t>It </a:t>
+            </a:r>
+            <a:r>
+              <a:rPr lang="en-US" dirty="0"/>
+              <a:t>requires no additional setup other than installing the extension on your browser. </a:t>
+            </a:r>
+            <a:endParaRPr lang="en-US" dirty="0" smtClean="0"/>
+          </a:p>
+          <a:p>
+            <a:r>
+              <a:rPr lang="en-US" dirty="0" smtClean="0"/>
+              <a:t>Command Line Runner for Selenium IDE is available</a:t>
+            </a:r>
+          </a:p>
+          <a:p>
+            <a:endParaRPr lang="en-US" dirty="0"/>
+          </a:p>
+        </p:txBody>
+      </p:sp>
+      <p:sp>
+        <p:nvSpPr>
+          <p:cNvPr id="6" name="Slide Number Placeholder 5"/>
+          <p:cNvSpPr>
+            <a:spLocks noGrp="1"/>
+          </p:cNvSpPr>
+          <p:nvPr>
+            <p:ph type="sldNum" sz="quarter" idx="12"/>
+          </p:nvPr>
+        </p:nvSpPr>
+        <p:spPr/>
+        <p:txBody>
+          <a:bodyPr/>
+          <a:lstStyle/>
+          <a:p>
+            <a:fld id="{B6F15528-21DE-4FAA-801E-634DDDAF4B2B}" type="slidenum">
+              <a:rPr lang="en-US" smtClean="0"/>
+              <a:pPr/>
+              <a:t>26</a:t>
+            </a:fld>
+            <a:endParaRPr lang="en-US" dirty="0"/>
+          </a:p>
+        </p:txBody>
+      </p:sp>
+    </p:spTree>
+    <p:extLst>
+      <p:ext uri="{BB962C8B-B14F-4D97-AF65-F5344CB8AC3E}">
+        <p14:creationId xmlns:p14="http://schemas.microsoft.com/office/powerpoint/2010/main" val="1941991753"/>
+      </p:ext>
+    </p:extLst>
+  </p:cSld>
+  <p:clrMapOvr>
+    <a:masterClrMapping/>
+  </p:clrMapOvr>
+  <p:timing>
+    <p:tnLst>
+      <p:par>
+        <p:cTn id="1" dur="indefinite" restart="never" nodeType="tmRoot"/>
+      </p:par>
+    </p:tnLst>
+  </p:timing>
+</p:sld>
+</file>
+
+<file path=ppt/slides/slide27.xml><?xml version="1.0" encoding="utf-8"?>
+<p:sld xmlns:a="http://schemas.openxmlformats.org/drawingml/2006/main" xmlns:r="http://schemas.openxmlformats.org/officeDocument/2006/relationships" xmlns:p="http://schemas.openxmlformats.org/presentationml/2006/main">
+  <p:cSld>
+    <p:spTree>
+      <p:nvGrpSpPr>
+        <p:cNvPr id="1" name=""/>
+        <p:cNvGrpSpPr/>
+        <p:nvPr/>
+      </p:nvGrpSpPr>
+      <p:grpSpPr>
+        <a:xfrm>
+          <a:off x="0" y="0"/>
+          <a:ext cx="0" cy="0"/>
+          <a:chOff x="0" y="0"/>
+          <a:chExt cx="0" cy="0"/>
+        </a:xfrm>
+      </p:grpSpPr>
+      <p:sp>
+        <p:nvSpPr>
+          <p:cNvPr id="2" name="Title 1"/>
+          <p:cNvSpPr>
+            <a:spLocks noGrp="1"/>
+          </p:cNvSpPr>
+          <p:nvPr>
+            <p:ph type="title"/>
+          </p:nvPr>
+        </p:nvSpPr>
+        <p:spPr/>
+        <p:txBody>
+          <a:bodyPr>
+            <a:normAutofit/>
+          </a:bodyPr>
+          <a:lstStyle/>
+          <a:p>
+            <a:r>
+              <a:rPr lang="en-US" dirty="0" smtClean="0"/>
+              <a:t>Selenium IDE - Demo</a:t>
+            </a:r>
+            <a:endParaRPr lang="en-US" dirty="0"/>
+          </a:p>
+        </p:txBody>
+      </p:sp>
+      <p:sp>
+        <p:nvSpPr>
+          <p:cNvPr id="3" name="Content Placeholder 2"/>
+          <p:cNvSpPr>
+            <a:spLocks noGrp="1"/>
+          </p:cNvSpPr>
+          <p:nvPr>
+            <p:ph idx="1"/>
+          </p:nvPr>
+        </p:nvSpPr>
+        <p:spPr/>
+        <p:txBody>
+          <a:bodyPr>
+            <a:normAutofit/>
+          </a:bodyPr>
+          <a:lstStyle/>
+          <a:p>
+            <a:r>
+              <a:rPr lang="en-US" dirty="0" smtClean="0"/>
+              <a:t>Check how to Record &amp; Play</a:t>
+            </a:r>
+            <a:endParaRPr lang="en-US" dirty="0"/>
+          </a:p>
+        </p:txBody>
+      </p:sp>
+      <p:sp>
+        <p:nvSpPr>
+          <p:cNvPr id="6" name="Slide Number Placeholder 5"/>
+          <p:cNvSpPr>
+            <a:spLocks noGrp="1"/>
+          </p:cNvSpPr>
+          <p:nvPr>
+            <p:ph type="sldNum" sz="quarter" idx="12"/>
+          </p:nvPr>
+        </p:nvSpPr>
+        <p:spPr/>
+        <p:txBody>
+          <a:bodyPr/>
+          <a:lstStyle/>
+          <a:p>
+            <a:fld id="{B6F15528-21DE-4FAA-801E-634DDDAF4B2B}" type="slidenum">
+              <a:rPr lang="en-US" smtClean="0"/>
+              <a:pPr/>
+              <a:t>27</a:t>
+            </a:fld>
+            <a:endParaRPr lang="en-US" dirty="0"/>
+          </a:p>
+        </p:txBody>
+      </p:sp>
+    </p:spTree>
+    <p:extLst>
+      <p:ext uri="{BB962C8B-B14F-4D97-AF65-F5344CB8AC3E}">
+        <p14:creationId xmlns:p14="http://schemas.microsoft.com/office/powerpoint/2010/main" val="855003588"/>
+      </p:ext>
+    </p:extLst>
+  </p:cSld>
+  <p:clrMapOvr>
+    <a:masterClrMapping/>
+  </p:clrMapOvr>
+  <p:timing>
+    <p:tnLst>
+      <p:par>
+        <p:cTn id="1" dur="indefinite" restart="never" nodeType="tmRoot"/>
+      </p:par>
+    </p:tnLst>
+  </p:timing>
+</p:sld>
+</file>
+
+<file path=ppt/slides/slide28.xml><?xml version="1.0" encoding="utf-8"?>
+<p:sld xmlns:a="http://schemas.openxmlformats.org/drawingml/2006/main" xmlns:r="http://schemas.openxmlformats.org/officeDocument/2006/relationships" xmlns:p="http://schemas.openxmlformats.org/presentationml/2006/main">
+  <p:cSld>
+    <p:spTree>
+      <p:nvGrpSpPr>
+        <p:cNvPr id="1" name=""/>
+        <p:cNvGrpSpPr/>
+        <p:nvPr/>
+      </p:nvGrpSpPr>
+      <p:grpSpPr>
+        <a:xfrm>
+          <a:off x="0" y="0"/>
+          <a:ext cx="0" cy="0"/>
+          <a:chOff x="0" y="0"/>
+          <a:chExt cx="0" cy="0"/>
+        </a:xfrm>
+      </p:grpSpPr>
+      <p:sp>
+        <p:nvSpPr>
+          <p:cNvPr id="2" name="Title 1"/>
+          <p:cNvSpPr>
+            <a:spLocks noGrp="1"/>
+          </p:cNvSpPr>
+          <p:nvPr>
+            <p:ph type="title"/>
+          </p:nvPr>
+        </p:nvSpPr>
+        <p:spPr/>
+        <p:txBody>
+          <a:bodyPr>
+            <a:normAutofit/>
+          </a:bodyPr>
+          <a:lstStyle/>
+          <a:p>
+            <a:r>
+              <a:rPr lang="en-US" dirty="0" smtClean="0"/>
+              <a:t>One Second </a:t>
+            </a:r>
+            <a:endParaRPr lang="en-US" dirty="0"/>
+          </a:p>
+        </p:txBody>
+      </p:sp>
+      <p:sp>
+        <p:nvSpPr>
+          <p:cNvPr id="3" name="Content Placeholder 2"/>
+          <p:cNvSpPr>
+            <a:spLocks noGrp="1"/>
+          </p:cNvSpPr>
+          <p:nvPr>
+            <p:ph idx="1"/>
+          </p:nvPr>
+        </p:nvSpPr>
+        <p:spPr/>
+        <p:txBody>
+          <a:bodyPr>
+            <a:normAutofit lnSpcReduction="10000"/>
+          </a:bodyPr>
+          <a:lstStyle/>
+          <a:p>
+            <a:r>
+              <a:rPr lang="en-US" sz="2800" dirty="0" smtClean="0"/>
+              <a:t>Mark your Attendance</a:t>
+            </a:r>
+          </a:p>
+          <a:p>
+            <a:pPr lvl="1"/>
+            <a:r>
+              <a:rPr lang="en-US" sz="2400" dirty="0">
+                <a:hlinkClick r:id="rId2"/>
+              </a:rPr>
+              <a:t>https://</a:t>
+            </a:r>
+            <a:r>
+              <a:rPr lang="en-US" sz="2400" dirty="0" smtClean="0">
+                <a:hlinkClick r:id="rId2"/>
+              </a:rPr>
+              <a:t>docs.google.com/forms/d/e/1FAIpQLSfJRkcw5CyOyzsmEUbvef5RDtcZKl4PnU8b3X52EV2n4abF0g/viewform</a:t>
+            </a:r>
+            <a:endParaRPr lang="en-US" sz="2400" dirty="0" smtClean="0"/>
+          </a:p>
+          <a:p>
+            <a:r>
+              <a:rPr lang="en-US" sz="3200" dirty="0" smtClean="0"/>
+              <a:t>Feedback</a:t>
+            </a:r>
+          </a:p>
+          <a:p>
+            <a:pPr lvl="1"/>
+            <a:r>
+              <a:rPr lang="en-US" sz="2400" dirty="0">
+                <a:hlinkClick r:id="rId3"/>
+              </a:rPr>
+              <a:t>https://</a:t>
+            </a:r>
+            <a:r>
+              <a:rPr lang="en-US" sz="2400" dirty="0" smtClean="0">
+                <a:hlinkClick r:id="rId3"/>
+              </a:rPr>
+              <a:t>docs.google.com/forms/d/e/1FAIpQLSeopkMnvGegk-4xDqju26PGaXLl0L19Mte45lbKW1qCm-yBuA/viewform</a:t>
+            </a:r>
+            <a:r>
+              <a:rPr lang="en-US" sz="2400" dirty="0" smtClean="0"/>
+              <a:t> </a:t>
+            </a:r>
+          </a:p>
+          <a:p>
+            <a:r>
+              <a:rPr lang="en-US" sz="2800" dirty="0" smtClean="0"/>
+              <a:t>Material</a:t>
+            </a:r>
+          </a:p>
+          <a:p>
+            <a:pPr lvl="1"/>
+            <a:r>
+              <a:rPr lang="en-US" sz="2400" dirty="0">
+                <a:hlinkClick r:id="rId4"/>
+              </a:rPr>
+              <a:t>https://</a:t>
+            </a:r>
+            <a:r>
+              <a:rPr lang="en-US" sz="2400" dirty="0" smtClean="0">
+                <a:hlinkClick r:id="rId4"/>
+              </a:rPr>
+              <a:t>docs.google.com/spreadsheets/d/1LaeIrpanrKKeEkBIPPCWbbqnP8loNnm7RjlgVe1T61Y/edit#gid=999102021</a:t>
+            </a:r>
+            <a:r>
+              <a:rPr lang="en-US" sz="2400" dirty="0" smtClean="0"/>
+              <a:t> </a:t>
+            </a:r>
+          </a:p>
+          <a:p>
+            <a:endParaRPr lang="en-US" sz="2000" dirty="0"/>
+          </a:p>
+        </p:txBody>
+      </p:sp>
+      <p:sp>
+        <p:nvSpPr>
+          <p:cNvPr id="6" name="Slide Number Placeholder 5"/>
+          <p:cNvSpPr>
+            <a:spLocks noGrp="1"/>
+          </p:cNvSpPr>
+          <p:nvPr>
+            <p:ph type="sldNum" sz="quarter" idx="12"/>
+          </p:nvPr>
+        </p:nvSpPr>
+        <p:spPr/>
+        <p:txBody>
+          <a:bodyPr/>
+          <a:lstStyle/>
+          <a:p>
+            <a:fld id="{B6F15528-21DE-4FAA-801E-634DDDAF4B2B}" type="slidenum">
+              <a:rPr lang="en-US" smtClean="0"/>
+              <a:pPr/>
+              <a:t>28</a:t>
+            </a:fld>
+            <a:endParaRPr lang="en-US" dirty="0"/>
+          </a:p>
+        </p:txBody>
+      </p:sp>
+    </p:spTree>
+    <p:extLst>
+      <p:ext uri="{BB962C8B-B14F-4D97-AF65-F5344CB8AC3E}">
+        <p14:creationId xmlns:p14="http://schemas.microsoft.com/office/powerpoint/2010/main" val="444613958"/>
+      </p:ext>
+    </p:extLst>
+  </p:cSld>
+  <p:clrMapOvr>
+    <a:masterClrMapping/>
+  </p:clrMapOvr>
+  <p:timing>
+    <p:tnLst>
+      <p:par>
+        <p:cTn id="1" dur="indefinite" restart="never" nodeType="tmRoot"/>
+      </p:par>
+    </p:tnLst>
+  </p:timing>
+</p:sld>
+</file>
+
+<file path=ppt/slides/slide29.xml><?xml version="1.0" encoding="utf-8"?>
+<p:sld xmlns:a="http://schemas.openxmlformats.org/drawingml/2006/main" xmlns:r="http://schemas.openxmlformats.org/officeDocument/2006/relationships" xmlns:p="http://schemas.openxmlformats.org/presentationml/2006/main">
+  <p:cSld>
+    <p:spTree>
+      <p:nvGrpSpPr>
+        <p:cNvPr id="1" name=""/>
+        <p:cNvGrpSpPr/>
+        <p:nvPr/>
+      </p:nvGrpSpPr>
+      <p:grpSpPr>
+        <a:xfrm>
+          <a:off x="0" y="0"/>
+          <a:ext cx="0" cy="0"/>
+          <a:chOff x="0" y="0"/>
+          <a:chExt cx="0" cy="0"/>
+        </a:xfrm>
+      </p:grpSpPr>
+      <p:sp>
+        <p:nvSpPr>
+          <p:cNvPr id="6" name="Slide Number Placeholder 5"/>
+          <p:cNvSpPr>
+            <a:spLocks noGrp="1"/>
+          </p:cNvSpPr>
+          <p:nvPr>
+            <p:ph type="sldNum" sz="quarter" idx="12"/>
+          </p:nvPr>
+        </p:nvSpPr>
+        <p:spPr/>
+        <p:txBody>
+          <a:bodyPr/>
+          <a:lstStyle/>
+          <a:p>
+            <a:fld id="{B6F15528-21DE-4FAA-801E-634DDDAF4B2B}" type="slidenum">
+              <a:rPr lang="en-US" smtClean="0"/>
+              <a:pPr/>
+              <a:t>29</a:t>
+            </a:fld>
+            <a:endParaRPr lang="en-US" dirty="0"/>
+          </a:p>
+        </p:txBody>
+      </p:sp>
+      <p:pic>
+        <p:nvPicPr>
+          <p:cNvPr id="5" name="Picture 3"/>
+          <p:cNvPicPr>
+            <a:picLocks noChangeAspect="1" noChangeArrowheads="1"/>
+          </p:cNvPicPr>
+          <p:nvPr/>
+        </p:nvPicPr>
+        <p:blipFill>
+          <a:blip r:embed="rId2">
+            <a:extLst>
+              <a:ext uri="{28A0092B-C50C-407E-A947-70E740481C1C}">
+                <a14:useLocalDpi xmlns:a14="http://schemas.microsoft.com/office/drawing/2010/main" val="0"/>
+              </a:ext>
+            </a:extLst>
+          </a:blip>
+          <a:srcRect/>
+          <a:stretch>
+            <a:fillRect/>
+          </a:stretch>
+        </p:blipFill>
+        <p:spPr bwMode="auto">
+          <a:xfrm>
+            <a:off x="1676400" y="1905000"/>
+            <a:ext cx="5648325" cy="3333750"/>
+          </a:xfrm>
+          <a:prstGeom prst="rect">
+            <a:avLst/>
+          </a:prstGeom>
+          <a:noFill/>
+          <a:ln>
+            <a:noFill/>
+          </a:ln>
+          <a:effectLst/>
+          <a:extLst>
+            <a:ext uri="{909E8E84-426E-40DD-AFC4-6F175D3DCCD1}">
+              <a14:hiddenFill xmlns:a14="http://schemas.microsoft.com/office/drawing/2010/main">
+                <a:solidFill>
+                  <a:schemeClr val="accent1"/>
+                </a:solidFill>
+              </a14:hiddenFill>
+            </a:ext>
+            <a:ext uri="{91240B29-F687-4F45-9708-019B960494DF}">
+              <a14:hiddenLine xmlns:a14="http://schemas.microsoft.com/office/drawing/2010/main" w="9525">
+                <a:solidFill>
+                  <a:schemeClr val="tx1"/>
+                </a:solidFill>
+                <a:miter lim="800000"/>
+                <a:headEnd/>
+                <a:tailEnd/>
+              </a14:hiddenLine>
+            </a:ext>
+            <a:ext uri="{AF507438-7753-43E0-B8FC-AC1667EBCBE1}">
+              <a14:hiddenEffects xmlns:a14="http://schemas.microsoft.com/office/drawing/2010/main">
+                <a:effectLst>
+                  <a:outerShdw dist="35921" dir="2700000" algn="ctr" rotWithShape="0">
+                    <a:schemeClr val="bg2"/>
+                  </a:outerShdw>
+                </a:effectLst>
+              </a14:hiddenEffects>
+            </a:ext>
+          </a:extLst>
+        </p:spPr>
+      </p:pic>
+    </p:spTree>
+    <p:extLst>
+      <p:ext uri="{BB962C8B-B14F-4D97-AF65-F5344CB8AC3E}">
+        <p14:creationId xmlns:p14="http://schemas.microsoft.com/office/powerpoint/2010/main" val="681827310"/>
       </p:ext>
     </p:extLst>
   </p:cSld>
@@ -9140,11 +11932,7 @@
           <a:p>
             <a:r>
               <a:rPr lang="en-US" dirty="0" smtClean="0"/>
-              <a:t>What </a:t>
-            </a:r>
-            <a:r>
-              <a:rPr lang="en-US" dirty="0" smtClean="0"/>
-              <a:t>is Browser Automation</a:t>
+              <a:t>What is Browser Automation</a:t>
             </a:r>
           </a:p>
           <a:p>
@@ -9162,8 +11950,29 @@
           <a:p>
             <a:r>
               <a:rPr lang="en-US" dirty="0" smtClean="0"/>
-              <a:t>Data Scraping using Selenium</a:t>
-            </a:r>
+              <a:t>Data Scraping using </a:t>
+            </a:r>
+            <a:r>
+              <a:rPr lang="en-US" dirty="0" smtClean="0"/>
+              <a:t>Selenium</a:t>
+            </a:r>
+          </a:p>
+          <a:p>
+            <a:r>
+              <a:rPr lang="en-US" dirty="0" smtClean="0"/>
+              <a:t>UI Automated Testing</a:t>
+            </a:r>
+          </a:p>
+          <a:p>
+            <a:r>
+              <a:rPr lang="en-US" dirty="0" smtClean="0"/>
+              <a:t>Selenium with </a:t>
+            </a:r>
+            <a:r>
+              <a:rPr lang="en-US" dirty="0" err="1" smtClean="0"/>
+              <a:t>NUnit</a:t>
+            </a:r>
+            <a:endParaRPr lang="en-US" dirty="0" smtClean="0"/>
           </a:p>
           <a:p>
             <a:endParaRPr lang="en-US" dirty="0" smtClean="0"/>
@@ -9207,6 +12016,96 @@
     <p:extLst>
       <p:ext uri="{BB962C8B-B14F-4D97-AF65-F5344CB8AC3E}">
         <p14:creationId xmlns:p14="http://schemas.microsoft.com/office/powerpoint/2010/main" val="2814045580"/>
+      </p:ext>
+    </p:extLst>
+  </p:cSld>
+  <p:clrMapOvr>
+    <a:masterClrMapping/>
+  </p:clrMapOvr>
+  <p:timing>
+    <p:tnLst>
+      <p:par>
+        <p:cTn id="1" dur="indefinite" restart="never" nodeType="tmRoot"/>
+      </p:par>
+    </p:tnLst>
+  </p:timing>
+</p:sld>
+</file>
+
+<file path=ppt/slides/slide30.xml><?xml version="1.0" encoding="utf-8"?>
+<p:sld xmlns:a="http://schemas.openxmlformats.org/drawingml/2006/main" xmlns:r="http://schemas.openxmlformats.org/officeDocument/2006/relationships" xmlns:p="http://schemas.openxmlformats.org/presentationml/2006/main">
+  <p:cSld>
+    <p:spTree>
+      <p:nvGrpSpPr>
+        <p:cNvPr id="1" name=""/>
+        <p:cNvGrpSpPr/>
+        <p:nvPr/>
+      </p:nvGrpSpPr>
+      <p:grpSpPr>
+        <a:xfrm>
+          <a:off x="0" y="0"/>
+          <a:ext cx="0" cy="0"/>
+          <a:chOff x="0" y="0"/>
+          <a:chExt cx="0" cy="0"/>
+        </a:xfrm>
+      </p:grpSpPr>
+      <p:sp>
+        <p:nvSpPr>
+          <p:cNvPr id="2" name="Title 1"/>
+          <p:cNvSpPr>
+            <a:spLocks noGrp="1"/>
+          </p:cNvSpPr>
+          <p:nvPr>
+            <p:ph type="title"/>
+          </p:nvPr>
+        </p:nvSpPr>
+        <p:spPr>
+          <a:xfrm>
+            <a:off x="533400" y="2667000"/>
+            <a:ext cx="8229600" cy="1143000"/>
+          </a:xfrm>
+        </p:spPr>
+        <p:txBody>
+          <a:bodyPr/>
+          <a:lstStyle/>
+          <a:p>
+            <a:pPr algn="ctr"/>
+            <a:r>
+              <a:rPr lang="en-US" dirty="0" smtClean="0"/>
+              <a:t>Thank You</a:t>
+            </a:r>
+            <a:endParaRPr lang="en-US" dirty="0"/>
+          </a:p>
+        </p:txBody>
+      </p:sp>
+      <p:sp>
+        <p:nvSpPr>
+          <p:cNvPr id="5" name="Slide Number Placeholder 4"/>
+          <p:cNvSpPr>
+            <a:spLocks noGrp="1"/>
+          </p:cNvSpPr>
+          <p:nvPr>
+            <p:ph type="sldNum" sz="quarter" idx="12"/>
+          </p:nvPr>
+        </p:nvSpPr>
+        <p:spPr/>
+        <p:txBody>
+          <a:bodyPr/>
+          <a:lstStyle/>
+          <a:p>
+            <a:fld id="{B6F15528-21DE-4FAA-801E-634DDDAF4B2B}" type="slidenum">
+              <a:rPr lang="en-US" smtClean="0"/>
+              <a:pPr/>
+              <a:t>30</a:t>
+            </a:fld>
+            <a:endParaRPr lang="en-US"/>
+          </a:p>
+        </p:txBody>
+      </p:sp>
+    </p:spTree>
+    <p:extLst>
+      <p:ext uri="{BB962C8B-B14F-4D97-AF65-F5344CB8AC3E}">
+        <p14:creationId xmlns:p14="http://schemas.microsoft.com/office/powerpoint/2010/main" val="2817008823"/>
       </p:ext>
     </p:extLst>
   </p:cSld>
